--- a/php_intro.pptx
+++ b/php_intro.pptx
@@ -22,6 +22,11 @@
     <p:sldId id="270" r:id="rId17"/>
     <p:sldId id="271" r:id="rId18"/>
     <p:sldId id="272" r:id="rId19"/>
+    <p:sldId id="273" r:id="rId20"/>
+    <p:sldId id="274" r:id="rId21"/>
+    <p:sldId id="275" r:id="rId22"/>
+    <p:sldId id="276" r:id="rId23"/>
+    <p:sldId id="277" r:id="rId24"/>
   </p:sldIdLst>
   <p:sldSz cx="10080625" cy="5670550"/>
   <p:notesSz cx="7772400" cy="10058400"/>
@@ -1683,7 +1688,7 @@
           <a:bodyPr lIns="0" rIns="0" tIns="0" bIns="0"/>
           <a:p>
             <a:pPr algn="r"/>
-            <a:fld id="{109119EC-3072-4A55-A92C-26369CD3AF60}" type="slidenum">
+            <a:fld id="{2105EF7C-CF07-40A3-9F4E-D89897EA765A}" type="slidenum">
               <a:rPr b="0" lang="en-US" sz="1400" spc="-1" strike="noStrike">
                 <a:latin typeface="Times New Roman"/>
               </a:rPr>
@@ -2156,7 +2161,7 @@
         </p:nvGraphicFramePr>
         <p:xfrm>
           <a:off x="1463040" y="1190880"/>
-          <a:ext cx="7955280" cy="3891960"/>
+          <a:ext cx="7954920" cy="3891960"/>
         </p:xfrm>
         <a:graphic>
           <a:graphicData uri="http://schemas.openxmlformats.org/drawingml/2006/table">
@@ -2806,7 +2811,7 @@
               <a:rPr b="0" lang="en-US" sz="4400" spc="-1" strike="noStrike">
                 <a:latin typeface="Arial"/>
               </a:rPr>
-              <a:t>PHP Data Types: Integers</a:t>
+              <a:t>PHP Data Types: String operators</a:t>
             </a:r>
             <a:endParaRPr b="0" lang="en-US" sz="4400" spc="-1" strike="noStrike">
               <a:latin typeface="Arial"/>
@@ -2822,8 +2827,8 @@
         </p:nvSpPr>
         <p:spPr>
           <a:xfrm>
-            <a:off x="504000" y="1326600"/>
-            <a:ext cx="9071640" cy="3794040"/>
+            <a:off x="7406640" y="5029200"/>
+            <a:ext cx="2194560" cy="346320"/>
           </a:xfrm>
           <a:prstGeom prst="rect">
             <a:avLst/>
@@ -2834,109 +2839,396 @@
           </a:ln>
         </p:spPr>
         <p:txBody>
-          <a:bodyPr lIns="0" rIns="0" tIns="0" bIns="0">
-            <a:normAutofit/>
-          </a:bodyPr>
-          <a:p>
-            <a:pPr marL="432000" indent="-324000">
-              <a:spcBef>
-                <a:spcPts val="1417"/>
-              </a:spcBef>
-              <a:buClr>
-                <a:srgbClr val="000000"/>
-              </a:buClr>
-              <a:buSzPct val="45000"/>
-              <a:buFont typeface="Wingdings" charset="2"/>
-              <a:buChar char=""/>
-            </a:pPr>
-            <a:r>
-              <a:rPr b="0" lang="en-US" sz="3200" spc="-1" strike="noStrike">
-                <a:latin typeface="Arial"/>
-              </a:rPr>
-              <a:t>An integer data type is a non-decimal number between -2,147,483,648 and 2,147,483,647.</a:t>
-            </a:r>
-            <a:endParaRPr b="0" lang="en-US" sz="3200" spc="-1" strike="noStrike">
-              <a:latin typeface="Arial"/>
-            </a:endParaRPr>
-          </a:p>
-          <a:p>
-            <a:pPr marL="432000" indent="-324000">
-              <a:spcBef>
-                <a:spcPts val="1417"/>
-              </a:spcBef>
-              <a:buClr>
-                <a:srgbClr val="000000"/>
-              </a:buClr>
-              <a:buSzPct val="45000"/>
-              <a:buFont typeface="Wingdings" charset="2"/>
-              <a:buChar char=""/>
-            </a:pPr>
-            <a:r>
-              <a:rPr b="0" lang="en-US" sz="3200" spc="-1" strike="noStrike">
-                <a:latin typeface="Arial"/>
-              </a:rPr>
-              <a:t>An integer must have at least one digit</a:t>
-            </a:r>
-            <a:endParaRPr b="0" lang="en-US" sz="3200" spc="-1" strike="noStrike">
-              <a:latin typeface="Arial"/>
-            </a:endParaRPr>
-          </a:p>
-          <a:p>
-            <a:pPr marL="432000" indent="-324000">
-              <a:spcBef>
-                <a:spcPts val="1417"/>
-              </a:spcBef>
-              <a:buClr>
-                <a:srgbClr val="000000"/>
-              </a:buClr>
-              <a:buSzPct val="45000"/>
-              <a:buFont typeface="Wingdings" charset="2"/>
-              <a:buChar char=""/>
-            </a:pPr>
-            <a:r>
-              <a:rPr b="0" lang="en-US" sz="3200" spc="-1" strike="noStrike">
-                <a:latin typeface="Arial"/>
-              </a:rPr>
-              <a:t>An integer must not have a decimal point</a:t>
-            </a:r>
-            <a:endParaRPr b="0" lang="en-US" sz="3200" spc="-1" strike="noStrike">
-              <a:latin typeface="Arial"/>
-            </a:endParaRPr>
-          </a:p>
-          <a:p>
-            <a:pPr marL="432000" indent="-324000">
-              <a:spcBef>
-                <a:spcPts val="1417"/>
-              </a:spcBef>
-              <a:buClr>
-                <a:srgbClr val="000000"/>
-              </a:buClr>
-              <a:buSzPct val="45000"/>
-              <a:buFont typeface="Wingdings" charset="2"/>
-              <a:buChar char=""/>
-            </a:pPr>
-            <a:r>
-              <a:rPr b="0" lang="en-US" sz="3200" spc="-1" strike="noStrike">
-                <a:latin typeface="Arial"/>
-              </a:rPr>
-              <a:t>Integers can be specified in: decimal (base 10), hexadecimal (base 16), octal (base 8), or binary (base 2) notation</a:t>
-            </a:r>
-            <a:endParaRPr b="0" lang="en-US" sz="3200" spc="-1" strike="noStrike">
-              <a:latin typeface="Arial"/>
-            </a:endParaRPr>
-          </a:p>
-        </p:txBody>
-      </p:sp>
-      <p:sp>
-        <p:nvSpPr>
-          <p:cNvPr id="72" name="TextShape 3"/>
+          <a:bodyPr lIns="90000" rIns="90000" tIns="45000" bIns="45000"/>
+          <a:p>
+            <a:r>
+              <a:rPr b="0" lang="en-US" sz="1800" spc="-1" strike="noStrike">
+                <a:latin typeface="Arial"/>
+              </a:rPr>
+              <a:t>Cont..</a:t>
+            </a:r>
+            <a:endParaRPr b="0" lang="en-US" sz="1800" spc="-1" strike="noStrike">
+              <a:latin typeface="Arial"/>
+            </a:endParaRPr>
+          </a:p>
+        </p:txBody>
+      </p:sp>
+      <p:graphicFrame>
+        <p:nvGraphicFramePr>
+          <p:cNvPr id="72" name="Table 3"/>
+          <p:cNvGraphicFramePr/>
+          <p:nvPr/>
+        </p:nvGraphicFramePr>
+        <p:xfrm>
+          <a:off x="1315800" y="1787760"/>
+          <a:ext cx="7954920" cy="3891960"/>
+        </p:xfrm>
+        <a:graphic>
+          <a:graphicData uri="http://schemas.openxmlformats.org/drawingml/2006/table">
+            <a:tbl>
+              <a:tblPr/>
+              <a:tblGrid>
+                <a:gridCol w="2729520"/>
+                <a:gridCol w="5225760"/>
+              </a:tblGrid>
+              <a:tr h="-536400">
+                <a:tc>
+                  <a:txBody>
+                    <a:bodyPr lIns="90000" rIns="90000" tIns="46800" bIns="46800"/>
+                    <a:p>
+                      <a:pPr algn="ctr"/>
+                      <a:r>
+                        <a:rPr b="0" lang="en-US" sz="1800" spc="-1" strike="noStrike">
+                          <a:latin typeface="Arial"/>
+                        </a:rPr>
+                        <a:t>operator</a:t>
+                      </a:r>
+                      <a:endParaRPr b="0" lang="en-US" sz="1800" spc="-1" strike="noStrike">
+                        <a:latin typeface="Arial"/>
+                      </a:endParaRPr>
+                    </a:p>
+                  </a:txBody>
+                  <a:tcPr marL="90000" marR="90000">
+                    <a:lnL w="720">
+                      <a:solidFill>
+                        <a:srgbClr val="ffffff"/>
+                      </a:solidFill>
+                    </a:lnL>
+                    <a:lnR w="720">
+                      <a:solidFill>
+                        <a:srgbClr val="ffffff"/>
+                      </a:solidFill>
+                    </a:lnR>
+                    <a:lnT w="720">
+                      <a:solidFill>
+                        <a:srgbClr val="ffffff"/>
+                      </a:solidFill>
+                    </a:lnT>
+                    <a:lnB w="720">
+                      <a:solidFill>
+                        <a:srgbClr val="ffffff"/>
+                      </a:solidFill>
+                    </a:lnB>
+                    <a:solidFill>
+                      <a:srgbClr val="b3b3b3"/>
+                    </a:solidFill>
+                  </a:tcPr>
+                </a:tc>
+                <a:tc>
+                  <a:txBody>
+                    <a:bodyPr lIns="90000" rIns="90000" tIns="46800" bIns="46800"/>
+                    <a:p>
+                      <a:pPr algn="ctr"/>
+                      <a:r>
+                        <a:rPr b="0" lang="en-US" sz="1800" spc="-1" strike="noStrike">
+                          <a:latin typeface="Arial"/>
+                        </a:rPr>
+                        <a:t>Description</a:t>
+                      </a:r>
+                      <a:endParaRPr b="0" lang="en-US" sz="1800" spc="-1" strike="noStrike">
+                        <a:latin typeface="Arial"/>
+                      </a:endParaRPr>
+                    </a:p>
+                  </a:txBody>
+                  <a:tcPr marL="90000" marR="90000">
+                    <a:lnL w="720">
+                      <a:solidFill>
+                        <a:srgbClr val="ffffff"/>
+                      </a:solidFill>
+                    </a:lnL>
+                    <a:lnR w="720">
+                      <a:solidFill>
+                        <a:srgbClr val="ffffff"/>
+                      </a:solidFill>
+                    </a:lnR>
+                    <a:lnT w="720">
+                      <a:solidFill>
+                        <a:srgbClr val="ffffff"/>
+                      </a:solidFill>
+                    </a:lnT>
+                    <a:lnB w="720">
+                      <a:solidFill>
+                        <a:srgbClr val="ffffff"/>
+                      </a:solidFill>
+                    </a:lnB>
+                    <a:solidFill>
+                      <a:srgbClr val="b3b3b3"/>
+                    </a:solidFill>
+                  </a:tcPr>
+                </a:tc>
+              </a:tr>
+              <a:tr h="708480">
+                <a:tc>
+                  <a:txBody>
+                    <a:bodyPr lIns="90000" rIns="90000" tIns="46800" bIns="46800"/>
+                    <a:p>
+                      <a:pPr algn="ctr"/>
+                      <a:r>
+                        <a:rPr b="0" lang="en-US" sz="1800" spc="-1" strike="noStrike">
+                          <a:latin typeface="Arial"/>
+                        </a:rPr>
+                        <a:t>.</a:t>
+                      </a:r>
+                      <a:endParaRPr b="0" lang="en-US" sz="1800" spc="-1" strike="noStrike">
+                        <a:latin typeface="Arial"/>
+                      </a:endParaRPr>
+                    </a:p>
+                  </a:txBody>
+                  <a:tcPr marL="90000" marR="90000">
+                    <a:lnL w="720">
+                      <a:solidFill>
+                        <a:srgbClr val="ffffff"/>
+                      </a:solidFill>
+                    </a:lnL>
+                    <a:lnR w="720">
+                      <a:solidFill>
+                        <a:srgbClr val="ffffff"/>
+                      </a:solidFill>
+                    </a:lnR>
+                    <a:lnT w="720">
+                      <a:solidFill>
+                        <a:srgbClr val="ffffff"/>
+                      </a:solidFill>
+                    </a:lnT>
+                    <a:lnB w="720">
+                      <a:solidFill>
+                        <a:srgbClr val="ffffff"/>
+                      </a:solidFill>
+                    </a:lnB>
+                    <a:solidFill>
+                      <a:srgbClr val="cccccc"/>
+                    </a:solidFill>
+                  </a:tcPr>
+                </a:tc>
+                <a:tc>
+                  <a:txBody>
+                    <a:bodyPr lIns="90000" rIns="90000" tIns="46800" bIns="46800"/>
+                    <a:p>
+                      <a:r>
+                        <a:rPr b="0" lang="en-US" sz="1800" spc="-1" strike="noStrike">
+                          <a:latin typeface="Arial"/>
+                        </a:rPr>
+                        <a:t>//Concatenates $txt1.$txt2 </a:t>
+                      </a:r>
+                      <a:endParaRPr b="0" lang="en-US" sz="1800" spc="-1" strike="noStrike">
+                        <a:latin typeface="Arial"/>
+                      </a:endParaRPr>
+                    </a:p>
+                    <a:p>
+                      <a:r>
+                        <a:rPr b="0" lang="en-US" sz="1800" spc="-1" strike="noStrike">
+                          <a:latin typeface="Arial"/>
+                        </a:rPr>
+                        <a:t>$txt1 = "Hello";</a:t>
+                      </a:r>
+                      <a:endParaRPr b="0" lang="en-US" sz="1800" spc="-1" strike="noStrike">
+                        <a:latin typeface="Arial"/>
+                      </a:endParaRPr>
+                    </a:p>
+                    <a:p>
+                      <a:r>
+                        <a:rPr b="0" lang="en-US" sz="1800" spc="-1" strike="noStrike">
+                          <a:latin typeface="Arial"/>
+                        </a:rPr>
+                        <a:t>$txt2 = " world!";</a:t>
+                      </a:r>
+                      <a:endParaRPr b="0" lang="en-US" sz="1800" spc="-1" strike="noStrike">
+                        <a:latin typeface="Arial"/>
+                      </a:endParaRPr>
+                    </a:p>
+                    <a:p>
+                      <a:r>
+                        <a:rPr b="0" lang="en-US" sz="1800" spc="-1" strike="noStrike">
+                          <a:latin typeface="Arial"/>
+                        </a:rPr>
+                        <a:t>echo $txt1 . $txt2;</a:t>
+                      </a:r>
+                      <a:endParaRPr b="0" lang="en-US" sz="1800" spc="-1" strike="noStrike">
+                        <a:latin typeface="Arial"/>
+                      </a:endParaRPr>
+                    </a:p>
+                  </a:txBody>
+                  <a:tcPr marL="90000" marR="90000">
+                    <a:lnL w="720">
+                      <a:solidFill>
+                        <a:srgbClr val="ffffff"/>
+                      </a:solidFill>
+                    </a:lnL>
+                    <a:lnR w="720">
+                      <a:solidFill>
+                        <a:srgbClr val="ffffff"/>
+                      </a:solidFill>
+                    </a:lnR>
+                    <a:lnT w="720">
+                      <a:solidFill>
+                        <a:srgbClr val="ffffff"/>
+                      </a:solidFill>
+                    </a:lnT>
+                    <a:lnB w="720">
+                      <a:solidFill>
+                        <a:srgbClr val="ffffff"/>
+                      </a:solidFill>
+                    </a:lnB>
+                    <a:solidFill>
+                      <a:srgbClr val="cccccc"/>
+                    </a:solidFill>
+                  </a:tcPr>
+                </a:tc>
+              </a:tr>
+              <a:tr h="708480">
+                <a:tc>
+                  <a:txBody>
+                    <a:bodyPr lIns="90000" rIns="90000" tIns="46800" bIns="46800"/>
+                    <a:p>
+                      <a:pPr algn="ctr"/>
+                      <a:r>
+                        <a:rPr b="0" lang="en-US" sz="1800" spc="-1" strike="noStrike">
+                          <a:latin typeface="Arial"/>
+                        </a:rPr>
+                        <a:t>.=</a:t>
+                      </a:r>
+                      <a:endParaRPr b="0" lang="en-US" sz="1800" spc="-1" strike="noStrike">
+                        <a:latin typeface="Arial"/>
+                      </a:endParaRPr>
+                    </a:p>
+                  </a:txBody>
+                  <a:tcPr marL="90000" marR="90000">
+                    <a:lnL w="720">
+                      <a:solidFill>
+                        <a:srgbClr val="ffffff"/>
+                      </a:solidFill>
+                    </a:lnL>
+                    <a:lnR w="720">
+                      <a:solidFill>
+                        <a:srgbClr val="ffffff"/>
+                      </a:solidFill>
+                    </a:lnR>
+                    <a:lnT w="720">
+                      <a:solidFill>
+                        <a:srgbClr val="ffffff"/>
+                      </a:solidFill>
+                    </a:lnT>
+                    <a:lnB w="720">
+                      <a:solidFill>
+                        <a:srgbClr val="ffffff"/>
+                      </a:solidFill>
+                    </a:lnB>
+                    <a:solidFill>
+                      <a:srgbClr val="e6e6e6"/>
+                    </a:solidFill>
+                  </a:tcPr>
+                </a:tc>
+                <a:tc>
+                  <a:txBody>
+                    <a:bodyPr lIns="90000" rIns="90000" tIns="46800" bIns="46800"/>
+                    <a:p>
+                      <a:r>
+                        <a:rPr b="0" lang="en-US" sz="1800" spc="-1" strike="noStrike">
+                          <a:latin typeface="Arial"/>
+                        </a:rPr>
+                        <a:t>//Concatenation assignment</a:t>
+                      </a:r>
+                      <a:endParaRPr b="0" lang="en-US" sz="1800" spc="-1" strike="noStrike">
+                        <a:latin typeface="Arial"/>
+                      </a:endParaRPr>
+                    </a:p>
+                    <a:p>
+                      <a:r>
+                        <a:rPr b="0" lang="en-US" sz="1800" spc="-1" strike="noStrike">
+                          <a:latin typeface="Arial"/>
+                        </a:rPr>
+                        <a:t>$txt1 = "Hello";</a:t>
+                      </a:r>
+                      <a:endParaRPr b="0" lang="en-US" sz="1800" spc="-1" strike="noStrike">
+                        <a:latin typeface="Arial"/>
+                      </a:endParaRPr>
+                    </a:p>
+                    <a:p>
+                      <a:r>
+                        <a:rPr b="0" lang="en-US" sz="1800" spc="-1" strike="noStrike">
+                          <a:latin typeface="Arial"/>
+                        </a:rPr>
+                        <a:t>$txt2 = " world!";</a:t>
+                      </a:r>
+                      <a:endParaRPr b="0" lang="en-US" sz="1800" spc="-1" strike="noStrike">
+                        <a:latin typeface="Arial"/>
+                      </a:endParaRPr>
+                    </a:p>
+                    <a:p>
+                      <a:r>
+                        <a:rPr b="0" lang="en-US" sz="1800" spc="-1" strike="noStrike">
+                          <a:latin typeface="Arial"/>
+                        </a:rPr>
+                        <a:t>$txt1 .= $txt2;</a:t>
+                      </a:r>
+                      <a:endParaRPr b="0" lang="en-US" sz="1800" spc="-1" strike="noStrike">
+                        <a:latin typeface="Arial"/>
+                      </a:endParaRPr>
+                    </a:p>
+                    <a:p>
+                      <a:r>
+                        <a:rPr b="0" lang="en-US" sz="1800" spc="-1" strike="noStrike">
+                          <a:latin typeface="Arial"/>
+                        </a:rPr>
+                        <a:t>echo $txt1;</a:t>
+                      </a:r>
+                      <a:endParaRPr b="0" lang="en-US" sz="1800" spc="-1" strike="noStrike">
+                        <a:latin typeface="Arial"/>
+                      </a:endParaRPr>
+                    </a:p>
+                    <a:p>
+                      <a:r>
+                        <a:rPr b="0" lang="en-US" sz="1800" spc="-1" strike="noStrike">
+                          <a:latin typeface="Arial"/>
+                        </a:rPr>
+                        <a:t>//give output Hello world!</a:t>
+                      </a:r>
+                      <a:endParaRPr b="0" lang="en-US" sz="1800" spc="-1" strike="noStrike">
+                        <a:latin typeface="Arial"/>
+                      </a:endParaRPr>
+                    </a:p>
+                  </a:txBody>
+                  <a:tcPr marL="90000" marR="90000">
+                    <a:lnL w="720">
+                      <a:solidFill>
+                        <a:srgbClr val="ffffff"/>
+                      </a:solidFill>
+                    </a:lnL>
+                    <a:lnR w="720">
+                      <a:solidFill>
+                        <a:srgbClr val="ffffff"/>
+                      </a:solidFill>
+                    </a:lnR>
+                    <a:lnT w="720">
+                      <a:solidFill>
+                        <a:srgbClr val="ffffff"/>
+                      </a:solidFill>
+                    </a:lnT>
+                    <a:lnB w="720">
+                      <a:solidFill>
+                        <a:srgbClr val="ffffff"/>
+                      </a:solidFill>
+                    </a:lnB>
+                    <a:solidFill>
+                      <a:srgbClr val="e6e6e6"/>
+                    </a:solidFill>
+                  </a:tcPr>
+                </a:tc>
+              </a:tr>
+            </a:tbl>
+          </a:graphicData>
+        </a:graphic>
+      </p:graphicFrame>
+      <p:sp>
+        <p:nvSpPr>
+          <p:cNvPr id="73" name="TextShape 4"/>
           <p:cNvSpPr txBox="1"/>
           <p:nvPr/>
         </p:nvSpPr>
         <p:spPr>
           <a:xfrm>
-            <a:off x="7406640" y="5029200"/>
-            <a:ext cx="2194560" cy="346320"/>
+            <a:off x="1371600" y="5303520"/>
+            <a:ext cx="6492240" cy="346320"/>
           </a:xfrm>
           <a:prstGeom prst="rect">
             <a:avLst/>
@@ -2952,8 +3244,15 @@
             <a:r>
               <a:rPr b="0" lang="en-US" sz="1800" spc="-1" strike="noStrike">
                 <a:latin typeface="Arial"/>
-              </a:rPr>
-              <a:t>Cont..</a:t>
+                <a:hlinkClick r:id="rId1"/>
+              </a:rPr>
+              <a:t>https://www.php.net/manual/en/ref.strings.php</a:t>
+            </a:r>
+            <a:r>
+              <a:rPr b="0" lang="en-US" sz="1800" spc="-1" strike="noStrike">
+                <a:latin typeface="Arial"/>
+              </a:rPr>
+              <a:t> </a:t>
             </a:r>
             <a:endParaRPr b="0" lang="en-US" sz="1800" spc="-1" strike="noStrike">
               <a:latin typeface="Arial"/>
@@ -3020,14 +3319,14 @@
       </p:grpSpPr>
       <p:sp>
         <p:nvSpPr>
-          <p:cNvPr id="73" name="TextShape 1"/>
+          <p:cNvPr id="74" name="TextShape 1"/>
           <p:cNvSpPr txBox="1"/>
           <p:nvPr/>
         </p:nvSpPr>
         <p:spPr>
           <a:xfrm>
-            <a:off x="504000" y="226080"/>
-            <a:ext cx="9071640" cy="946440"/>
+            <a:off x="504000" y="74160"/>
+            <a:ext cx="9071640" cy="1250280"/>
           </a:xfrm>
           <a:prstGeom prst="rect">
             <a:avLst/>
@@ -3045,7 +3344,7 @@
               <a:rPr b="0" lang="en-US" sz="4400" spc="-1" strike="noStrike">
                 <a:latin typeface="Arial"/>
               </a:rPr>
-              <a:t>PHP Data Types: Integers</a:t>
+              <a:t>PHP Data Types: Variable Interpolation in strings</a:t>
             </a:r>
             <a:endParaRPr b="0" lang="en-US" sz="4400" spc="-1" strike="noStrike">
               <a:latin typeface="Arial"/>
@@ -3055,14 +3354,14 @@
       </p:sp>
       <p:sp>
         <p:nvSpPr>
-          <p:cNvPr id="74" name="TextShape 2"/>
+          <p:cNvPr id="75" name="TextShape 2"/>
           <p:cNvSpPr txBox="1"/>
           <p:nvPr/>
         </p:nvSpPr>
         <p:spPr>
           <a:xfrm>
-            <a:off x="504000" y="1326600"/>
-            <a:ext cx="9071640" cy="3794040"/>
+            <a:off x="7406640" y="5029200"/>
+            <a:ext cx="2194560" cy="346320"/>
           </a:xfrm>
           <a:prstGeom prst="rect">
             <a:avLst/>
@@ -3073,121 +3372,30 @@
           </a:ln>
         </p:spPr>
         <p:txBody>
-          <a:bodyPr lIns="0" rIns="0" tIns="0" bIns="0">
-            <a:normAutofit/>
-          </a:bodyPr>
-          <a:p>
-            <a:pPr marL="432000" indent="-324000">
-              <a:spcBef>
-                <a:spcPts val="1417"/>
-              </a:spcBef>
-              <a:buClr>
-                <a:srgbClr val="000000"/>
-              </a:buClr>
-              <a:buSzPct val="45000"/>
-              <a:buFont typeface="Wingdings" charset="2"/>
-              <a:buChar char=""/>
-            </a:pPr>
-            <a:r>
-              <a:rPr b="0" lang="en-US" sz="3200" spc="-1" strike="noStrike">
-                <a:latin typeface="Arial"/>
-              </a:rPr>
-              <a:t>    </a:t>
-            </a:r>
-            <a:r>
-              <a:rPr b="0" lang="en-US" sz="3200" spc="-1" strike="noStrike">
-                <a:latin typeface="Arial"/>
-              </a:rPr>
-              <a:t>is_int()</a:t>
-            </a:r>
-            <a:endParaRPr b="0" lang="en-US" sz="3200" spc="-1" strike="noStrike">
-              <a:latin typeface="Arial"/>
-            </a:endParaRPr>
-          </a:p>
-          <a:p>
-            <a:pPr marL="432000" indent="-324000">
-              <a:spcBef>
-                <a:spcPts val="1417"/>
-              </a:spcBef>
-              <a:buClr>
-                <a:srgbClr val="000000"/>
-              </a:buClr>
-              <a:buSzPct val="45000"/>
-              <a:buFont typeface="Wingdings" charset="2"/>
-              <a:buChar char=""/>
-            </a:pPr>
-            <a:r>
-              <a:rPr b="0" lang="en-US" sz="3200" spc="-1" strike="noStrike">
-                <a:latin typeface="Arial"/>
-              </a:rPr>
-              <a:t>    </a:t>
-            </a:r>
-            <a:r>
-              <a:rPr b="0" lang="en-US" sz="3200" spc="-1" strike="noStrike">
-                <a:latin typeface="Arial"/>
-              </a:rPr>
-              <a:t>is_integer() - alias of is_int()</a:t>
-            </a:r>
-            <a:endParaRPr b="0" lang="en-US" sz="3200" spc="-1" strike="noStrike">
-              <a:latin typeface="Arial"/>
-            </a:endParaRPr>
-          </a:p>
-          <a:p>
-            <a:pPr marL="432000" indent="-324000">
-              <a:spcBef>
-                <a:spcPts val="1417"/>
-              </a:spcBef>
-              <a:buClr>
-                <a:srgbClr val="000000"/>
-              </a:buClr>
-              <a:buSzPct val="45000"/>
-              <a:buFont typeface="Wingdings" charset="2"/>
-              <a:buChar char=""/>
-            </a:pPr>
-            <a:r>
-              <a:rPr b="0" lang="en-US" sz="3200" spc="-1" strike="noStrike">
-                <a:latin typeface="Arial"/>
-              </a:rPr>
-              <a:t>    </a:t>
-            </a:r>
-            <a:r>
-              <a:rPr b="0" lang="en-US" sz="3200" spc="-1" strike="noStrike">
-                <a:latin typeface="Arial"/>
-              </a:rPr>
-              <a:t>is_long() - alias of is_int()</a:t>
-            </a:r>
-            <a:endParaRPr b="0" lang="en-US" sz="3200" spc="-1" strike="noStrike">
-              <a:latin typeface="Arial"/>
-            </a:endParaRPr>
-          </a:p>
-          <a:p>
-            <a:pPr marL="432000" indent="-324000">
-              <a:spcBef>
-                <a:spcPts val="1417"/>
-              </a:spcBef>
-              <a:buClr>
-                <a:srgbClr val="000000"/>
-              </a:buClr>
-              <a:buSzPct val="45000"/>
-              <a:buFont typeface="Wingdings" charset="2"/>
-              <a:buChar char=""/>
-            </a:pPr>
-            <a:endParaRPr b="0" lang="en-US" sz="3200" spc="-1" strike="noStrike">
-              <a:latin typeface="Arial"/>
-            </a:endParaRPr>
-          </a:p>
-        </p:txBody>
-      </p:sp>
-      <p:sp>
-        <p:nvSpPr>
-          <p:cNvPr id="75" name="TextShape 3"/>
+          <a:bodyPr lIns="90000" rIns="90000" tIns="45000" bIns="45000"/>
+          <a:p>
+            <a:r>
+              <a:rPr b="0" lang="en-US" sz="1800" spc="-1" strike="noStrike">
+                <a:latin typeface="Arial"/>
+              </a:rPr>
+              <a:t>Cont..</a:t>
+            </a:r>
+            <a:endParaRPr b="0" lang="en-US" sz="1800" spc="-1" strike="noStrike">
+              <a:latin typeface="Arial"/>
+            </a:endParaRPr>
+          </a:p>
+        </p:txBody>
+      </p:sp>
+      <p:sp>
+        <p:nvSpPr>
+          <p:cNvPr id="76" name="TextShape 3"/>
           <p:cNvSpPr txBox="1"/>
           <p:nvPr/>
         </p:nvSpPr>
         <p:spPr>
           <a:xfrm>
-            <a:off x="7406640" y="5029200"/>
-            <a:ext cx="2194560" cy="346320"/>
+            <a:off x="1371600" y="5303520"/>
+            <a:ext cx="6492240" cy="346320"/>
           </a:xfrm>
           <a:prstGeom prst="rect">
             <a:avLst/>
@@ -3203,10 +3411,196 @@
             <a:r>
               <a:rPr b="0" lang="en-US" sz="1800" spc="-1" strike="noStrike">
                 <a:latin typeface="Arial"/>
-              </a:rPr>
-              <a:t>Cont..</a:t>
+                <a:hlinkClick r:id="rId1"/>
+              </a:rPr>
+              <a:t>https://www.php.net/manual/en/ref.strings.php</a:t>
+            </a:r>
+            <a:r>
+              <a:rPr b="0" lang="en-US" sz="1800" spc="-1" strike="noStrike">
+                <a:latin typeface="Arial"/>
+              </a:rPr>
+              <a:t> </a:t>
             </a:r>
             <a:endParaRPr b="0" lang="en-US" sz="1800" spc="-1" strike="noStrike">
+              <a:latin typeface="Arial"/>
+            </a:endParaRPr>
+          </a:p>
+        </p:txBody>
+      </p:sp>
+      <p:sp>
+        <p:nvSpPr>
+          <p:cNvPr id="77" name="TextShape 4"/>
+          <p:cNvSpPr txBox="1"/>
+          <p:nvPr/>
+        </p:nvSpPr>
+        <p:spPr>
+          <a:xfrm>
+            <a:off x="504000" y="1362600"/>
+            <a:ext cx="9071640" cy="3976920"/>
+          </a:xfrm>
+          <a:prstGeom prst="rect">
+            <a:avLst/>
+          </a:prstGeom>
+          <a:noFill/>
+          <a:ln>
+            <a:noFill/>
+          </a:ln>
+        </p:spPr>
+        <p:txBody>
+          <a:bodyPr lIns="0" rIns="0" tIns="0" bIns="0">
+            <a:normAutofit fontScale="88000"/>
+          </a:bodyPr>
+          <a:p>
+            <a:pPr marL="432000" indent="-324000">
+              <a:spcBef>
+                <a:spcPts val="1417"/>
+              </a:spcBef>
+              <a:buClr>
+                <a:srgbClr val="000000"/>
+              </a:buClr>
+              <a:buSzPct val="45000"/>
+              <a:buFont typeface="Wingdings" charset="2"/>
+              <a:buChar char=""/>
+            </a:pPr>
+            <a:r>
+              <a:rPr b="0" lang="en-US" sz="3200" spc="-1" strike="noStrike">
+                <a:latin typeface="Arial"/>
+              </a:rPr>
+              <a:t>$name = "PHP";</a:t>
+            </a:r>
+            <a:endParaRPr b="0" lang="en-US" sz="3200" spc="-1" strike="noStrike">
+              <a:latin typeface="Arial"/>
+            </a:endParaRPr>
+          </a:p>
+          <a:p>
+            <a:pPr marL="432000" indent="-324000">
+              <a:spcBef>
+                <a:spcPts val="1417"/>
+              </a:spcBef>
+              <a:buClr>
+                <a:srgbClr val="000000"/>
+              </a:buClr>
+              <a:buSzPct val="45000"/>
+              <a:buFont typeface="Wingdings" charset="2"/>
+              <a:buChar char=""/>
+            </a:pPr>
+            <a:r>
+              <a:rPr b="0" lang="en-US" sz="3200" spc="-1" strike="noStrike">
+                <a:latin typeface="Arial"/>
+              </a:rPr>
+              <a:t>echo "I am reading $name"; </a:t>
+            </a:r>
+            <a:endParaRPr b="0" lang="en-US" sz="3200" spc="-1" strike="noStrike">
+              <a:latin typeface="Arial"/>
+            </a:endParaRPr>
+          </a:p>
+          <a:p>
+            <a:pPr marL="432000" indent="-324000">
+              <a:spcBef>
+                <a:spcPts val="1417"/>
+              </a:spcBef>
+              <a:buClr>
+                <a:srgbClr val="000000"/>
+              </a:buClr>
+              <a:buSzPct val="45000"/>
+              <a:buFont typeface="Wingdings" charset="2"/>
+              <a:buChar char=""/>
+            </a:pPr>
+            <a:r>
+              <a:rPr b="0" lang="en-US" sz="3200" spc="-1" strike="noStrike">
+                <a:latin typeface="Arial"/>
+              </a:rPr>
+              <a:t>// output: I am reading PHP</a:t>
+            </a:r>
+            <a:endParaRPr b="0" lang="en-US" sz="3200" spc="-1" strike="noStrike">
+              <a:latin typeface="Arial"/>
+            </a:endParaRPr>
+          </a:p>
+          <a:p>
+            <a:pPr marL="432000" indent="-324000">
+              <a:spcBef>
+                <a:spcPts val="1417"/>
+              </a:spcBef>
+              <a:buClr>
+                <a:srgbClr val="000000"/>
+              </a:buClr>
+              <a:buSzPct val="45000"/>
+              <a:buFont typeface="Wingdings" charset="2"/>
+              <a:buChar char=""/>
+            </a:pPr>
+            <a:r>
+              <a:rPr b="0" lang="en-US" sz="3200" spc="-1" strike="noStrike">
+                <a:latin typeface="Arial"/>
+              </a:rPr>
+              <a:t>echo 'I am reading $name'; </a:t>
+            </a:r>
+            <a:endParaRPr b="0" lang="en-US" sz="3200" spc="-1" strike="noStrike">
+              <a:latin typeface="Arial"/>
+            </a:endParaRPr>
+          </a:p>
+          <a:p>
+            <a:pPr marL="432000" indent="-324000">
+              <a:spcBef>
+                <a:spcPts val="1417"/>
+              </a:spcBef>
+              <a:buClr>
+                <a:srgbClr val="000000"/>
+              </a:buClr>
+              <a:buSzPct val="45000"/>
+              <a:buFont typeface="Wingdings" charset="2"/>
+              <a:buChar char=""/>
+            </a:pPr>
+            <a:r>
+              <a:rPr b="0" lang="en-US" sz="3200" spc="-1" strike="noStrike">
+                <a:latin typeface="Arial"/>
+              </a:rPr>
+              <a:t>// output: I am reading $name</a:t>
+            </a:r>
+            <a:endParaRPr b="0" lang="en-US" sz="3200" spc="-1" strike="noStrike">
+              <a:latin typeface="Arial"/>
+            </a:endParaRPr>
+          </a:p>
+          <a:p>
+            <a:pPr marL="432000" indent="-324000">
+              <a:spcBef>
+                <a:spcPts val="1417"/>
+              </a:spcBef>
+              <a:buClr>
+                <a:srgbClr val="000000"/>
+              </a:buClr>
+              <a:buSzPct val="45000"/>
+              <a:buFont typeface="Wingdings" charset="2"/>
+              <a:buChar char=""/>
+            </a:pPr>
+            <a:r>
+              <a:rPr b="0" lang="en-US" sz="3200" spc="-1" strike="noStrike">
+                <a:latin typeface="Arial"/>
+              </a:rPr>
+              <a:t>echo "I am reading {$name}POT"; </a:t>
+            </a:r>
+            <a:endParaRPr b="0" lang="en-US" sz="3200" spc="-1" strike="noStrike">
+              <a:latin typeface="Arial"/>
+            </a:endParaRPr>
+          </a:p>
+          <a:p>
+            <a:pPr marL="432000" indent="-324000">
+              <a:spcBef>
+                <a:spcPts val="1417"/>
+              </a:spcBef>
+              <a:buClr>
+                <a:srgbClr val="000000"/>
+              </a:buClr>
+              <a:buSzPct val="45000"/>
+              <a:buFont typeface="Wingdings" charset="2"/>
+              <a:buChar char=""/>
+            </a:pPr>
+            <a:r>
+              <a:rPr b="0" lang="en-US" sz="3200" spc="-1" strike="noStrike">
+                <a:latin typeface="Arial"/>
+              </a:rPr>
+              <a:t>// output: I am reading PHPPOT</a:t>
+            </a:r>
+            <a:endParaRPr b="0" lang="en-US" sz="3200" spc="-1" strike="noStrike">
               <a:latin typeface="Arial"/>
             </a:endParaRPr>
           </a:p>
@@ -3271,7 +3665,7 @@
       </p:grpSpPr>
       <p:sp>
         <p:nvSpPr>
-          <p:cNvPr id="76" name="TextShape 1"/>
+          <p:cNvPr id="78" name="TextShape 1"/>
           <p:cNvSpPr txBox="1"/>
           <p:nvPr/>
         </p:nvSpPr>
@@ -3296,7 +3690,7 @@
               <a:rPr b="0" lang="en-US" sz="4400" spc="-1" strike="noStrike">
                 <a:latin typeface="Arial"/>
               </a:rPr>
-              <a:t>PHP Data Types: floats</a:t>
+              <a:t>PHP Data Types: Integers</a:t>
             </a:r>
             <a:endParaRPr b="0" lang="en-US" sz="4400" spc="-1" strike="noStrike">
               <a:latin typeface="Arial"/>
@@ -3306,7 +3700,7 @@
       </p:sp>
       <p:sp>
         <p:nvSpPr>
-          <p:cNvPr id="77" name="TextShape 2"/>
+          <p:cNvPr id="79" name="TextShape 2"/>
           <p:cNvSpPr txBox="1"/>
           <p:nvPr/>
         </p:nvSpPr>
@@ -3343,61 +3737,83 @@
               <a:rPr b="0" lang="en-US" sz="3200" spc="-1" strike="noStrike">
                 <a:latin typeface="Arial"/>
               </a:rPr>
-              <a:t>A float (floating point number) is a number with a decimal point or a number in exponential form.</a:t>
-            </a:r>
-            <a:endParaRPr b="0" lang="en-US" sz="3200" spc="-1" strike="noStrike">
-              <a:latin typeface="Arial"/>
-            </a:endParaRPr>
-          </a:p>
-          <a:p>
-            <a:pPr marL="432000" indent="-324000">
-              <a:spcBef>
-                <a:spcPts val="1417"/>
-              </a:spcBef>
-              <a:buClr>
-                <a:srgbClr val="000000"/>
-              </a:buClr>
-              <a:buSzPct val="45000"/>
-              <a:buFont typeface="Wingdings" charset="2"/>
-              <a:buChar char=""/>
-            </a:pPr>
-            <a:r>
-              <a:rPr b="0" lang="en-US" sz="3200" spc="-1" strike="noStrike">
-                <a:latin typeface="Arial"/>
-              </a:rPr>
-              <a:t>$x = 234.12;</a:t>
-            </a:r>
-            <a:endParaRPr b="0" lang="en-US" sz="3200" spc="-1" strike="noStrike">
-              <a:latin typeface="Arial"/>
-            </a:endParaRPr>
-          </a:p>
-          <a:p>
-            <a:pPr marL="432000" indent="-324000">
-              <a:spcBef>
-                <a:spcPts val="1417"/>
-              </a:spcBef>
-              <a:buClr>
-                <a:srgbClr val="000000"/>
-              </a:buClr>
-              <a:buSzPct val="45000"/>
-              <a:buFont typeface="Wingdings" charset="2"/>
-              <a:buChar char=""/>
-            </a:pPr>
-            <a:r>
-              <a:rPr b="0" lang="en-US" sz="3200" spc="-1" strike="noStrike">
-                <a:latin typeface="Arial"/>
-              </a:rPr>
-              <a:t>var_dump($x);</a:t>
-            </a:r>
-            <a:endParaRPr b="0" lang="en-US" sz="3200" spc="-1" strike="noStrike">
-              <a:latin typeface="Arial"/>
-            </a:endParaRPr>
-          </a:p>
-        </p:txBody>
-      </p:sp>
-      <p:sp>
-        <p:nvSpPr>
-          <p:cNvPr id="78" name="TextShape 3"/>
+              <a:t>An integer data type is a non-decimal number between -2,147,483,648 and 2,147,483,647.</a:t>
+            </a:r>
+            <a:endParaRPr b="0" lang="en-US" sz="3200" spc="-1" strike="noStrike">
+              <a:latin typeface="Arial"/>
+            </a:endParaRPr>
+          </a:p>
+          <a:p>
+            <a:pPr marL="432000" indent="-324000">
+              <a:spcBef>
+                <a:spcPts val="1417"/>
+              </a:spcBef>
+              <a:buClr>
+                <a:srgbClr val="000000"/>
+              </a:buClr>
+              <a:buSzPct val="45000"/>
+              <a:buFont typeface="Wingdings" charset="2"/>
+              <a:buChar char=""/>
+            </a:pPr>
+            <a:r>
+              <a:rPr b="0" lang="en-US" sz="3200" spc="-1" strike="noStrike">
+                <a:latin typeface="Arial"/>
+              </a:rPr>
+              <a:t>An integer must have at least one digit</a:t>
+            </a:r>
+            <a:endParaRPr b="0" lang="en-US" sz="3200" spc="-1" strike="noStrike">
+              <a:latin typeface="Arial"/>
+            </a:endParaRPr>
+          </a:p>
+          <a:p>
+            <a:pPr marL="432000" indent="-324000">
+              <a:spcBef>
+                <a:spcPts val="1417"/>
+              </a:spcBef>
+              <a:buClr>
+                <a:srgbClr val="000000"/>
+              </a:buClr>
+              <a:buSzPct val="45000"/>
+              <a:buFont typeface="Wingdings" charset="2"/>
+              <a:buChar char=""/>
+            </a:pPr>
+            <a:r>
+              <a:rPr b="0" lang="en-US" sz="3200" spc="-1" strike="noStrike">
+                <a:latin typeface="Arial"/>
+              </a:rPr>
+              <a:t>An integer must not have a decimal point</a:t>
+            </a:r>
+            <a:endParaRPr b="0" lang="en-US" sz="3200" spc="-1" strike="noStrike">
+              <a:latin typeface="Arial"/>
+            </a:endParaRPr>
+          </a:p>
+          <a:p>
+            <a:pPr marL="432000" indent="-324000">
+              <a:spcBef>
+                <a:spcPts val="1417"/>
+              </a:spcBef>
+              <a:buClr>
+                <a:srgbClr val="000000"/>
+              </a:buClr>
+              <a:buSzPct val="45000"/>
+              <a:buFont typeface="Wingdings" charset="2"/>
+              <a:buChar char=""/>
+            </a:pPr>
+            <a:r>
+              <a:rPr b="0" lang="en-US" sz="3200" spc="-1" strike="noStrike">
+                <a:latin typeface="Arial"/>
+              </a:rPr>
+              <a:t>Integers can be specified in: decimal (base 10), hexadecimal (base 16), octal (base 8), or binary (base 2) notation</a:t>
+            </a:r>
+            <a:endParaRPr b="0" lang="en-US" sz="3200" spc="-1" strike="noStrike">
+              <a:latin typeface="Arial"/>
+            </a:endParaRPr>
+          </a:p>
+        </p:txBody>
+      </p:sp>
+      <p:sp>
+        <p:nvSpPr>
+          <p:cNvPr id="80" name="TextShape 3"/>
           <p:cNvSpPr txBox="1"/>
           <p:nvPr/>
         </p:nvSpPr>
@@ -3488,7 +3904,7 @@
       </p:grpSpPr>
       <p:sp>
         <p:nvSpPr>
-          <p:cNvPr id="79" name="TextShape 1"/>
+          <p:cNvPr id="81" name="TextShape 1"/>
           <p:cNvSpPr txBox="1"/>
           <p:nvPr/>
         </p:nvSpPr>
@@ -3513,7 +3929,7 @@
               <a:rPr b="0" lang="en-US" sz="4400" spc="-1" strike="noStrike">
                 <a:latin typeface="Arial"/>
               </a:rPr>
-              <a:t>PHP Data Types: floats</a:t>
+              <a:t>PHP Data Types: Integers</a:t>
             </a:r>
             <a:endParaRPr b="0" lang="en-US" sz="4400" spc="-1" strike="noStrike">
               <a:latin typeface="Arial"/>
@@ -3523,14 +3939,14 @@
       </p:sp>
       <p:sp>
         <p:nvSpPr>
-          <p:cNvPr id="80" name="TextShape 2"/>
+          <p:cNvPr id="82" name="TextShape 2"/>
           <p:cNvSpPr txBox="1"/>
           <p:nvPr/>
         </p:nvSpPr>
         <p:spPr>
           <a:xfrm>
             <a:off x="504000" y="1326600"/>
-            <a:ext cx="9071640" cy="3794040"/>
+            <a:ext cx="9071640" cy="4068360"/>
           </a:xfrm>
           <a:prstGeom prst="rect">
             <a:avLst/>
@@ -3542,7 +3958,7 @@
         </p:spPr>
         <p:txBody>
           <a:bodyPr lIns="0" rIns="0" tIns="0" bIns="0">
-            <a:normAutofit/>
+            <a:normAutofit fontScale="74000"/>
           </a:bodyPr>
           <a:p>
             <a:pPr marL="432000" indent="-324000">
@@ -3560,95 +3976,217 @@
               <a:rPr b="0" lang="en-US" sz="3200" spc="-1" strike="noStrike">
                 <a:latin typeface="Arial"/>
               </a:rPr>
-              <a:t>The float data type can commonly store a value up to 1.7976931348623E+308 (platform dependent), and have a maximum precision of 14 digits.</a:t>
-            </a:r>
-            <a:endParaRPr b="0" lang="en-US" sz="3200" spc="-1" strike="noStrike">
-              <a:latin typeface="Arial"/>
-            </a:endParaRPr>
-          </a:p>
-          <a:p>
-            <a:pPr marL="432000" indent="-324000">
-              <a:spcBef>
-                <a:spcPts val="1417"/>
-              </a:spcBef>
-              <a:buClr>
-                <a:srgbClr val="000000"/>
-              </a:buClr>
-              <a:buSzPct val="45000"/>
-              <a:buFont typeface="Wingdings" charset="2"/>
-              <a:buChar char=""/>
-            </a:pPr>
-            <a:r>
-              <a:rPr b="0" lang="en-US" sz="3200" spc="-1" strike="noStrike">
-                <a:latin typeface="Arial"/>
-              </a:rPr>
-              <a:t>  </a:t>
-            </a:r>
-            <a:r>
-              <a:rPr b="0" lang="en-US" sz="3200" spc="-1" strike="noStrike">
-                <a:latin typeface="Arial"/>
-              </a:rPr>
-              <a:t>is_float()</a:t>
-            </a:r>
-            <a:endParaRPr b="0" lang="en-US" sz="3200" spc="-1" strike="noStrike">
-              <a:latin typeface="Arial"/>
-            </a:endParaRPr>
-          </a:p>
-          <a:p>
-            <a:pPr marL="432000" indent="-324000">
-              <a:spcBef>
-                <a:spcPts val="1417"/>
-              </a:spcBef>
-              <a:buClr>
-                <a:srgbClr val="000000"/>
-              </a:buClr>
-              <a:buSzPct val="45000"/>
-              <a:buFont typeface="Wingdings" charset="2"/>
-              <a:buChar char=""/>
-            </a:pPr>
-            <a:r>
-              <a:rPr b="0" lang="en-US" sz="3200" spc="-1" strike="noStrike">
-                <a:latin typeface="Arial"/>
-              </a:rPr>
-              <a:t>  </a:t>
-            </a:r>
-            <a:r>
-              <a:rPr b="0" lang="en-US" sz="3200" spc="-1" strike="noStrike">
-                <a:latin typeface="Arial"/>
-              </a:rPr>
-              <a:t>is_double() - alias of is_float()</a:t>
-            </a:r>
-            <a:endParaRPr b="0" lang="en-US" sz="3200" spc="-1" strike="noStrike">
-              <a:latin typeface="Arial"/>
-            </a:endParaRPr>
-          </a:p>
-          <a:p>
-            <a:pPr marL="432000" indent="-324000">
-              <a:spcBef>
-                <a:spcPts val="1417"/>
-              </a:spcBef>
-              <a:buClr>
-                <a:srgbClr val="000000"/>
-              </a:buClr>
-              <a:buSzPct val="45000"/>
-              <a:buFont typeface="Wingdings" charset="2"/>
-              <a:buChar char=""/>
-            </a:pPr>
-            <a:endParaRPr b="0" lang="en-US" sz="3200" spc="-1" strike="noStrike">
-              <a:latin typeface="Arial"/>
-            </a:endParaRPr>
-          </a:p>
-        </p:txBody>
-      </p:sp>
-      <p:sp>
-        <p:nvSpPr>
-          <p:cNvPr id="81" name="TextShape 3"/>
+              <a:t>    </a:t>
+            </a:r>
+            <a:r>
+              <a:rPr b="0" lang="en-US" sz="3200" spc="-1" strike="noStrike">
+                <a:latin typeface="Arial"/>
+              </a:rPr>
+              <a:t>is_int()</a:t>
+            </a:r>
+            <a:endParaRPr b="0" lang="en-US" sz="3200" spc="-1" strike="noStrike">
+              <a:latin typeface="Arial"/>
+            </a:endParaRPr>
+          </a:p>
+          <a:p>
+            <a:pPr marL="432000" indent="-324000">
+              <a:spcBef>
+                <a:spcPts val="1417"/>
+              </a:spcBef>
+              <a:buClr>
+                <a:srgbClr val="000000"/>
+              </a:buClr>
+              <a:buSzPct val="45000"/>
+              <a:buFont typeface="Wingdings" charset="2"/>
+              <a:buChar char=""/>
+            </a:pPr>
+            <a:r>
+              <a:rPr b="0" lang="en-US" sz="3200" spc="-1" strike="noStrike">
+                <a:latin typeface="Arial"/>
+              </a:rPr>
+              <a:t>    </a:t>
+            </a:r>
+            <a:r>
+              <a:rPr b="0" lang="en-US" sz="3200" spc="-1" strike="noStrike">
+                <a:latin typeface="Arial"/>
+              </a:rPr>
+              <a:t>is_integer() - alias of is_int()</a:t>
+            </a:r>
+            <a:endParaRPr b="0" lang="en-US" sz="3200" spc="-1" strike="noStrike">
+              <a:latin typeface="Arial"/>
+            </a:endParaRPr>
+          </a:p>
+          <a:p>
+            <a:pPr marL="432000" indent="-324000">
+              <a:spcBef>
+                <a:spcPts val="1417"/>
+              </a:spcBef>
+              <a:buClr>
+                <a:srgbClr val="000000"/>
+              </a:buClr>
+              <a:buSzPct val="45000"/>
+              <a:buFont typeface="Wingdings" charset="2"/>
+              <a:buChar char=""/>
+            </a:pPr>
+            <a:r>
+              <a:rPr b="0" lang="en-US" sz="3200" spc="-1" strike="noStrike">
+                <a:latin typeface="Arial"/>
+              </a:rPr>
+              <a:t>    </a:t>
+            </a:r>
+            <a:r>
+              <a:rPr b="0" lang="en-US" sz="3200" spc="-1" strike="noStrike">
+                <a:latin typeface="Arial"/>
+              </a:rPr>
+              <a:t>is_long() - alias of is_int()</a:t>
+            </a:r>
+            <a:endParaRPr b="0" lang="en-US" sz="3200" spc="-1" strike="noStrike">
+              <a:latin typeface="Arial"/>
+            </a:endParaRPr>
+          </a:p>
+          <a:p>
+            <a:pPr marL="432000" indent="-324000">
+              <a:spcBef>
+                <a:spcPts val="1417"/>
+              </a:spcBef>
+              <a:buClr>
+                <a:srgbClr val="000000"/>
+              </a:buClr>
+              <a:buSzPct val="45000"/>
+              <a:buFont typeface="Wingdings" charset="2"/>
+              <a:buChar char=""/>
+            </a:pPr>
+            <a:r>
+              <a:rPr b="0" lang="en-US" sz="3200" spc="-1" strike="noStrike">
+                <a:latin typeface="Arial"/>
+              </a:rPr>
+              <a:t>    </a:t>
+            </a:r>
+            <a:r>
+              <a:rPr b="0" lang="en-US" sz="3200" spc="-1" strike="noStrike">
+                <a:latin typeface="Arial"/>
+              </a:rPr>
+              <a:t>is_numeric() </a:t>
+            </a:r>
+            <a:endParaRPr b="0" lang="en-US" sz="3200" spc="-1" strike="noStrike">
+              <a:latin typeface="Arial"/>
+            </a:endParaRPr>
+          </a:p>
+          <a:p>
+            <a:pPr marL="432000" indent="-324000">
+              <a:spcBef>
+                <a:spcPts val="1417"/>
+              </a:spcBef>
+              <a:buClr>
+                <a:srgbClr val="000000"/>
+              </a:buClr>
+              <a:buSzPct val="45000"/>
+              <a:buFont typeface="Wingdings" charset="2"/>
+              <a:buChar char=""/>
+            </a:pPr>
+            <a:r>
+              <a:rPr b="0" lang="en-US" sz="3200" spc="-1" strike="noStrike">
+                <a:latin typeface="Arial"/>
+              </a:rPr>
+              <a:t>$x = "5985";</a:t>
+            </a:r>
+            <a:endParaRPr b="0" lang="en-US" sz="3200" spc="-1" strike="noStrike">
+              <a:latin typeface="Arial"/>
+            </a:endParaRPr>
+          </a:p>
+          <a:p>
+            <a:pPr marL="432000" indent="-324000">
+              <a:spcBef>
+                <a:spcPts val="1417"/>
+              </a:spcBef>
+              <a:buClr>
+                <a:srgbClr val="000000"/>
+              </a:buClr>
+              <a:buSzPct val="45000"/>
+              <a:buFont typeface="Wingdings" charset="2"/>
+              <a:buChar char=""/>
+            </a:pPr>
+            <a:r>
+              <a:rPr b="0" lang="en-US" sz="3200" spc="-1" strike="noStrike">
+                <a:latin typeface="Arial"/>
+              </a:rPr>
+              <a:t>$y= "59.85" + 100;</a:t>
+            </a:r>
+            <a:endParaRPr b="0" lang="en-US" sz="3200" spc="-1" strike="noStrike">
+              <a:latin typeface="Arial"/>
+            </a:endParaRPr>
+          </a:p>
+          <a:p>
+            <a:pPr marL="432000" indent="-324000">
+              <a:spcBef>
+                <a:spcPts val="1417"/>
+              </a:spcBef>
+              <a:buClr>
+                <a:srgbClr val="000000"/>
+              </a:buClr>
+              <a:buSzPct val="45000"/>
+              <a:buFont typeface="Wingdings" charset="2"/>
+              <a:buChar char=""/>
+            </a:pPr>
+            <a:r>
+              <a:rPr b="0" lang="en-US" sz="3200" spc="-1" strike="noStrike">
+                <a:latin typeface="Arial"/>
+              </a:rPr>
+              <a:t>var_dump(is_numeric($x)); // returns TRUE</a:t>
+            </a:r>
+            <a:endParaRPr b="0" lang="en-US" sz="3200" spc="-1" strike="noStrike">
+              <a:latin typeface="Arial"/>
+            </a:endParaRPr>
+          </a:p>
+          <a:p>
+            <a:pPr marL="432000" indent="-324000">
+              <a:spcBef>
+                <a:spcPts val="1417"/>
+              </a:spcBef>
+              <a:buClr>
+                <a:srgbClr val="000000"/>
+              </a:buClr>
+              <a:buSzPct val="45000"/>
+              <a:buFont typeface="Wingdings" charset="2"/>
+              <a:buChar char=""/>
+            </a:pPr>
+            <a:r>
+              <a:rPr b="0" lang="en-US" sz="3200" spc="-1" strike="noStrike">
+                <a:latin typeface="Arial"/>
+              </a:rPr>
+              <a:t>var_dump(is_numeric($y)); // returns TRUE</a:t>
+            </a:r>
+            <a:endParaRPr b="0" lang="en-US" sz="3200" spc="-1" strike="noStrike">
+              <a:latin typeface="Arial"/>
+            </a:endParaRPr>
+          </a:p>
+          <a:p>
+            <a:pPr marL="432000" indent="-324000">
+              <a:spcBef>
+                <a:spcPts val="1417"/>
+              </a:spcBef>
+              <a:buClr>
+                <a:srgbClr val="000000"/>
+              </a:buClr>
+              <a:buSzPct val="45000"/>
+              <a:buFont typeface="Wingdings" charset="2"/>
+              <a:buChar char=""/>
+            </a:pPr>
+            <a:endParaRPr b="0" lang="en-US" sz="3200" spc="-1" strike="noStrike">
+              <a:latin typeface="Arial"/>
+            </a:endParaRPr>
+          </a:p>
+        </p:txBody>
+      </p:sp>
+      <p:sp>
+        <p:nvSpPr>
+          <p:cNvPr id="83" name="TextShape 3"/>
           <p:cNvSpPr txBox="1"/>
           <p:nvPr/>
         </p:nvSpPr>
         <p:spPr>
           <a:xfrm>
-            <a:off x="7406640" y="5029200"/>
+            <a:off x="7498080" y="5303520"/>
             <a:ext cx="2194560" cy="346320"/>
           </a:xfrm>
           <a:prstGeom prst="rect">
@@ -3733,14 +4271,14 @@
       </p:grpSpPr>
       <p:sp>
         <p:nvSpPr>
-          <p:cNvPr id="82" name="TextShape 1"/>
+          <p:cNvPr id="84" name="TextShape 1"/>
           <p:cNvSpPr txBox="1"/>
           <p:nvPr/>
         </p:nvSpPr>
         <p:spPr>
           <a:xfrm>
-            <a:off x="504000" y="226080"/>
-            <a:ext cx="9071640" cy="946440"/>
+            <a:off x="504000" y="121320"/>
+            <a:ext cx="9071640" cy="1250280"/>
           </a:xfrm>
           <a:prstGeom prst="rect">
             <a:avLst/>
@@ -3758,7 +4296,7 @@
               <a:rPr b="0" lang="en-US" sz="4400" spc="-1" strike="noStrike">
                 <a:latin typeface="Arial"/>
               </a:rPr>
-              <a:t>PHP Data Types: boolean</a:t>
+              <a:t>PHP Data Types: Integers typecasting</a:t>
             </a:r>
             <a:endParaRPr b="0" lang="en-US" sz="4400" spc="-1" strike="noStrike">
               <a:latin typeface="Arial"/>
@@ -3768,14 +4306,14 @@
       </p:sp>
       <p:sp>
         <p:nvSpPr>
-          <p:cNvPr id="83" name="TextShape 2"/>
+          <p:cNvPr id="85" name="TextShape 2"/>
           <p:cNvSpPr txBox="1"/>
           <p:nvPr/>
         </p:nvSpPr>
         <p:spPr>
           <a:xfrm>
-            <a:off x="504000" y="1326600"/>
-            <a:ext cx="9071640" cy="3794040"/>
+            <a:off x="510840" y="1737360"/>
+            <a:ext cx="4426920" cy="3288240"/>
           </a:xfrm>
           <a:prstGeom prst="rect">
             <a:avLst/>
@@ -3805,83 +4343,99 @@
               <a:rPr b="0" lang="en-US" sz="3200" spc="-1" strike="noStrike">
                 <a:latin typeface="Arial"/>
               </a:rPr>
-              <a:t>A Boolean represents two possible states: TRUE or FALSE.</a:t>
-            </a:r>
-            <a:endParaRPr b="0" lang="en-US" sz="3200" spc="-1" strike="noStrike">
-              <a:latin typeface="Arial"/>
-            </a:endParaRPr>
-          </a:p>
-          <a:p>
-            <a:pPr marL="432000" indent="-324000">
-              <a:spcBef>
-                <a:spcPts val="1417"/>
-              </a:spcBef>
-              <a:buClr>
-                <a:srgbClr val="000000"/>
-              </a:buClr>
-              <a:buSzPct val="45000"/>
-              <a:buFont typeface="Wingdings" charset="2"/>
-              <a:buChar char=""/>
-            </a:pPr>
-            <a:r>
-              <a:rPr b="0" lang="en-US" sz="3200" spc="-1" strike="noStrike">
-                <a:latin typeface="Arial"/>
-              </a:rPr>
-              <a:t>$x = true;</a:t>
-            </a:r>
-            <a:endParaRPr b="0" lang="en-US" sz="3200" spc="-1" strike="noStrike">
-              <a:latin typeface="Arial"/>
-            </a:endParaRPr>
-          </a:p>
-          <a:p>
-            <a:pPr marL="432000" indent="-324000">
-              <a:spcBef>
-                <a:spcPts val="1417"/>
-              </a:spcBef>
-              <a:buClr>
-                <a:srgbClr val="000000"/>
-              </a:buClr>
-              <a:buSzPct val="45000"/>
-              <a:buFont typeface="Wingdings" charset="2"/>
-              <a:buChar char=""/>
-            </a:pPr>
-            <a:r>
-              <a:rPr b="0" lang="en-US" sz="3200" spc="-1" strike="noStrike">
-                <a:latin typeface="Arial"/>
-              </a:rPr>
-              <a:t>$y=false;</a:t>
-            </a:r>
-            <a:endParaRPr b="0" lang="en-US" sz="3200" spc="-1" strike="noStrike">
-              <a:latin typeface="Arial"/>
-            </a:endParaRPr>
-          </a:p>
-          <a:p>
-            <a:pPr marL="432000" indent="-324000">
-              <a:spcBef>
-                <a:spcPts val="1417"/>
-              </a:spcBef>
-              <a:buClr>
-                <a:srgbClr val="000000"/>
-              </a:buClr>
-              <a:buSzPct val="45000"/>
-              <a:buFont typeface="Wingdings" charset="2"/>
-              <a:buChar char=""/>
-            </a:pPr>
-            <a:r>
-              <a:rPr b="0" lang="en-US" sz="3200" spc="-1" strike="noStrike">
-                <a:latin typeface="Arial"/>
-              </a:rPr>
-              <a:t>var_dump($x)</a:t>
-            </a:r>
-            <a:endParaRPr b="0" lang="en-US" sz="3200" spc="-1" strike="noStrike">
-              <a:latin typeface="Arial"/>
-            </a:endParaRPr>
-          </a:p>
-        </p:txBody>
-      </p:sp>
-      <p:sp>
-        <p:nvSpPr>
-          <p:cNvPr id="84" name="TextShape 3"/>
+              <a:t>// Cast float to int</a:t>
+            </a:r>
+            <a:endParaRPr b="0" lang="en-US" sz="3200" spc="-1" strike="noStrike">
+              <a:latin typeface="Arial"/>
+            </a:endParaRPr>
+          </a:p>
+          <a:p>
+            <a:pPr marL="432000" indent="-324000">
+              <a:spcBef>
+                <a:spcPts val="1417"/>
+              </a:spcBef>
+              <a:buClr>
+                <a:srgbClr val="000000"/>
+              </a:buClr>
+              <a:buSzPct val="45000"/>
+              <a:buFont typeface="Wingdings" charset="2"/>
+              <a:buChar char=""/>
+            </a:pPr>
+            <a:r>
+              <a:rPr b="0" lang="en-US" sz="3200" spc="-1" strike="noStrike">
+                <a:latin typeface="Arial"/>
+              </a:rPr>
+              <a:t>$x = 23465.768;</a:t>
+            </a:r>
+            <a:endParaRPr b="0" lang="en-US" sz="3200" spc="-1" strike="noStrike">
+              <a:latin typeface="Arial"/>
+            </a:endParaRPr>
+          </a:p>
+          <a:p>
+            <a:pPr marL="432000" indent="-324000">
+              <a:spcBef>
+                <a:spcPts val="1417"/>
+              </a:spcBef>
+              <a:buClr>
+                <a:srgbClr val="000000"/>
+              </a:buClr>
+              <a:buSzPct val="45000"/>
+              <a:buFont typeface="Wingdings" charset="2"/>
+              <a:buChar char=""/>
+            </a:pPr>
+            <a:r>
+              <a:rPr b="0" lang="en-US" sz="3200" spc="-1" strike="noStrike">
+                <a:latin typeface="Arial"/>
+              </a:rPr>
+              <a:t>$int_cast = (int)$x;</a:t>
+            </a:r>
+            <a:endParaRPr b="0" lang="en-US" sz="3200" spc="-1" strike="noStrike">
+              <a:latin typeface="Arial"/>
+            </a:endParaRPr>
+          </a:p>
+          <a:p>
+            <a:pPr marL="432000" indent="-324000">
+              <a:spcBef>
+                <a:spcPts val="1417"/>
+              </a:spcBef>
+              <a:buClr>
+                <a:srgbClr val="000000"/>
+              </a:buClr>
+              <a:buSzPct val="45000"/>
+              <a:buFont typeface="Wingdings" charset="2"/>
+              <a:buChar char=""/>
+            </a:pPr>
+            <a:r>
+              <a:rPr b="0" lang="en-US" sz="3200" spc="-1" strike="noStrike">
+                <a:latin typeface="Arial"/>
+              </a:rPr>
+              <a:t>echo $int_cast;</a:t>
+            </a:r>
+            <a:endParaRPr b="0" lang="en-US" sz="3200" spc="-1" strike="noStrike">
+              <a:latin typeface="Arial"/>
+            </a:endParaRPr>
+          </a:p>
+          <a:p>
+            <a:pPr marL="432000" indent="-324000">
+              <a:spcBef>
+                <a:spcPts val="1417"/>
+              </a:spcBef>
+              <a:buClr>
+                <a:srgbClr val="000000"/>
+              </a:buClr>
+              <a:buSzPct val="45000"/>
+              <a:buFont typeface="Wingdings" charset="2"/>
+              <a:buChar char=""/>
+            </a:pPr>
+            <a:endParaRPr b="0" lang="en-US" sz="3200" spc="-1" strike="noStrike">
+              <a:latin typeface="Arial"/>
+            </a:endParaRPr>
+          </a:p>
+        </p:txBody>
+      </p:sp>
+      <p:sp>
+        <p:nvSpPr>
+          <p:cNvPr id="86" name="TextShape 3"/>
           <p:cNvSpPr txBox="1"/>
           <p:nvPr/>
         </p:nvSpPr>
@@ -3908,6 +4462,119 @@
               <a:t>Cont..</a:t>
             </a:r>
             <a:endParaRPr b="0" lang="en-US" sz="1800" spc="-1" strike="noStrike">
+              <a:latin typeface="Arial"/>
+            </a:endParaRPr>
+          </a:p>
+        </p:txBody>
+      </p:sp>
+      <p:sp>
+        <p:nvSpPr>
+          <p:cNvPr id="87" name="TextShape 4"/>
+          <p:cNvSpPr txBox="1"/>
+          <p:nvPr/>
+        </p:nvSpPr>
+        <p:spPr>
+          <a:xfrm>
+            <a:off x="5148720" y="1832400"/>
+            <a:ext cx="4426920" cy="3288240"/>
+          </a:xfrm>
+          <a:prstGeom prst="rect">
+            <a:avLst/>
+          </a:prstGeom>
+          <a:noFill/>
+          <a:ln>
+            <a:noFill/>
+          </a:ln>
+        </p:spPr>
+        <p:txBody>
+          <a:bodyPr lIns="0" rIns="0" tIns="0" bIns="0">
+            <a:normAutofit/>
+          </a:bodyPr>
+          <a:p>
+            <a:pPr marL="432000" indent="-324000">
+              <a:spcBef>
+                <a:spcPts val="1417"/>
+              </a:spcBef>
+              <a:buClr>
+                <a:srgbClr val="000000"/>
+              </a:buClr>
+              <a:buSzPct val="45000"/>
+              <a:buFont typeface="Wingdings" charset="2"/>
+              <a:buChar char=""/>
+            </a:pPr>
+            <a:r>
+              <a:rPr b="0" lang="en-US" sz="3200" spc="-1" strike="noStrike">
+                <a:latin typeface="Arial"/>
+              </a:rPr>
+              <a:t>// Cast string to int</a:t>
+            </a:r>
+            <a:endParaRPr b="0" lang="en-US" sz="3200" spc="-1" strike="noStrike">
+              <a:latin typeface="Arial"/>
+            </a:endParaRPr>
+          </a:p>
+          <a:p>
+            <a:pPr marL="432000" indent="-324000">
+              <a:spcBef>
+                <a:spcPts val="1417"/>
+              </a:spcBef>
+              <a:buClr>
+                <a:srgbClr val="000000"/>
+              </a:buClr>
+              <a:buSzPct val="45000"/>
+              <a:buFont typeface="Wingdings" charset="2"/>
+              <a:buChar char=""/>
+            </a:pPr>
+            <a:r>
+              <a:rPr b="0" lang="en-US" sz="3200" spc="-1" strike="noStrike">
+                <a:latin typeface="Arial"/>
+              </a:rPr>
+              <a:t>$x = "23465.768";</a:t>
+            </a:r>
+            <a:endParaRPr b="0" lang="en-US" sz="3200" spc="-1" strike="noStrike">
+              <a:latin typeface="Arial"/>
+            </a:endParaRPr>
+          </a:p>
+          <a:p>
+            <a:pPr marL="432000" indent="-324000">
+              <a:spcBef>
+                <a:spcPts val="1417"/>
+              </a:spcBef>
+              <a:buClr>
+                <a:srgbClr val="000000"/>
+              </a:buClr>
+              <a:buSzPct val="45000"/>
+              <a:buFont typeface="Wingdings" charset="2"/>
+              <a:buChar char=""/>
+            </a:pPr>
+            <a:r>
+              <a:rPr b="0" lang="en-US" sz="3200" spc="-1" strike="noStrike">
+                <a:latin typeface="Arial"/>
+              </a:rPr>
+              <a:t>$int_cast = (int)$x;</a:t>
+            </a:r>
+            <a:endParaRPr b="0" lang="en-US" sz="3200" spc="-1" strike="noStrike">
+              <a:latin typeface="Arial"/>
+            </a:endParaRPr>
+          </a:p>
+          <a:p>
+            <a:pPr marL="432000" indent="-324000">
+              <a:spcBef>
+                <a:spcPts val="1417"/>
+              </a:spcBef>
+              <a:buClr>
+                <a:srgbClr val="000000"/>
+              </a:buClr>
+              <a:buSzPct val="45000"/>
+              <a:buFont typeface="Wingdings" charset="2"/>
+              <a:buChar char=""/>
+            </a:pPr>
+            <a:r>
+              <a:rPr b="0" lang="en-US" sz="3200" spc="-1" strike="noStrike">
+                <a:latin typeface="Arial"/>
+              </a:rPr>
+              <a:t>echo $int_cast;</a:t>
+            </a:r>
+            <a:endParaRPr b="0" lang="en-US" sz="3200" spc="-1" strike="noStrike">
               <a:latin typeface="Arial"/>
             </a:endParaRPr>
           </a:p>
@@ -3972,7 +4639,7 @@
       </p:grpSpPr>
       <p:sp>
         <p:nvSpPr>
-          <p:cNvPr id="85" name="TextShape 1"/>
+          <p:cNvPr id="88" name="TextShape 1"/>
           <p:cNvSpPr txBox="1"/>
           <p:nvPr/>
         </p:nvSpPr>
@@ -3997,7 +4664,7 @@
               <a:rPr b="0" lang="en-US" sz="4400" spc="-1" strike="noStrike">
                 <a:latin typeface="Arial"/>
               </a:rPr>
-              <a:t>PHP Data Types: arrays</a:t>
+              <a:t>PHP Data Types: NaN</a:t>
             </a:r>
             <a:endParaRPr b="0" lang="en-US" sz="4400" spc="-1" strike="noStrike">
               <a:latin typeface="Arial"/>
@@ -4007,14 +4674,14 @@
       </p:sp>
       <p:sp>
         <p:nvSpPr>
-          <p:cNvPr id="86" name="TextShape 2"/>
+          <p:cNvPr id="89" name="TextShape 2"/>
           <p:cNvSpPr txBox="1"/>
           <p:nvPr/>
         </p:nvSpPr>
         <p:spPr>
           <a:xfrm>
             <a:off x="504000" y="1326600"/>
-            <a:ext cx="9071640" cy="4343400"/>
+            <a:ext cx="9071640" cy="3288240"/>
           </a:xfrm>
           <a:prstGeom prst="rect">
             <a:avLst/>
@@ -4026,7 +4693,7 @@
         </p:spPr>
         <p:txBody>
           <a:bodyPr lIns="0" rIns="0" tIns="0" bIns="0">
-            <a:normAutofit fontScale="80000"/>
+            <a:normAutofit fontScale="76000"/>
           </a:bodyPr>
           <a:p>
             <a:pPr marL="432000" indent="-324000">
@@ -4044,178 +4711,118 @@
               <a:rPr b="0" lang="en-US" sz="3200" spc="-1" strike="noStrike">
                 <a:latin typeface="Arial"/>
               </a:rPr>
-              <a:t>Array represents with the method array()</a:t>
-            </a:r>
-            <a:endParaRPr b="0" lang="en-US" sz="3200" spc="-1" strike="noStrike">
-              <a:latin typeface="Arial"/>
-            </a:endParaRPr>
-          </a:p>
-          <a:p>
-            <a:pPr marL="432000" indent="-324000">
-              <a:spcBef>
-                <a:spcPts val="1417"/>
-              </a:spcBef>
-              <a:buClr>
-                <a:srgbClr val="000000"/>
-              </a:buClr>
-              <a:buSzPct val="45000"/>
-              <a:buFont typeface="Wingdings" charset="2"/>
-              <a:buChar char=""/>
-            </a:pPr>
-            <a:r>
-              <a:rPr b="0" lang="en-US" sz="3200" spc="-1" strike="noStrike">
-                <a:latin typeface="Arial"/>
-              </a:rPr>
-              <a:t>$x = array(‘php’,’mysql’,’python’);</a:t>
-            </a:r>
-            <a:endParaRPr b="0" lang="en-US" sz="3200" spc="-1" strike="noStrike">
-              <a:latin typeface="Arial"/>
-            </a:endParaRPr>
-          </a:p>
-          <a:p>
-            <a:pPr marL="432000" indent="-324000">
-              <a:spcBef>
-                <a:spcPts val="1417"/>
-              </a:spcBef>
-              <a:buClr>
-                <a:srgbClr val="000000"/>
-              </a:buClr>
-              <a:buSzPct val="45000"/>
-              <a:buFont typeface="Wingdings" charset="2"/>
-              <a:buChar char=""/>
-            </a:pPr>
-            <a:r>
-              <a:rPr b="0" lang="en-US" sz="3200" spc="-1" strike="noStrike">
-                <a:latin typeface="Arial"/>
-              </a:rPr>
-              <a:t>var_dump($x);</a:t>
-            </a:r>
-            <a:endParaRPr b="0" lang="en-US" sz="3200" spc="-1" strike="noStrike">
-              <a:latin typeface="Arial"/>
-            </a:endParaRPr>
-          </a:p>
-          <a:p>
-            <a:pPr marL="432000" indent="-324000">
-              <a:spcBef>
-                <a:spcPts val="1417"/>
-              </a:spcBef>
-              <a:buClr>
-                <a:srgbClr val="000000"/>
-              </a:buClr>
-              <a:buSzPct val="45000"/>
-              <a:buFont typeface="Wingdings" charset="2"/>
-              <a:buChar char=""/>
-            </a:pPr>
-            <a:r>
-              <a:rPr b="0" lang="en-US" sz="3200" spc="-1" strike="noStrike">
-                <a:latin typeface="Arial"/>
-              </a:rPr>
-              <a:t>echo $x[0];</a:t>
-            </a:r>
-            <a:endParaRPr b="0" lang="en-US" sz="3200" spc="-1" strike="noStrike">
-              <a:latin typeface="Arial"/>
-            </a:endParaRPr>
-          </a:p>
-          <a:p>
-            <a:pPr marL="432000" indent="-324000">
-              <a:spcBef>
-                <a:spcPts val="1417"/>
-              </a:spcBef>
-              <a:buClr>
-                <a:srgbClr val="000000"/>
-              </a:buClr>
-              <a:buSzPct val="45000"/>
-              <a:buFont typeface="Wingdings" charset="2"/>
-              <a:buChar char=""/>
-            </a:pPr>
-            <a:r>
-              <a:rPr b="0" lang="en-US" sz="3200" spc="-1" strike="noStrike">
-                <a:latin typeface="Arial"/>
-              </a:rPr>
-              <a:t>There are three types of arrays:</a:t>
-            </a:r>
-            <a:endParaRPr b="0" lang="en-US" sz="3200" spc="-1" strike="noStrike">
-              <a:latin typeface="Arial"/>
-            </a:endParaRPr>
-          </a:p>
-          <a:p>
-            <a:pPr lvl="1" marL="864000" indent="-324000">
-              <a:spcBef>
-                <a:spcPts val="1134"/>
-              </a:spcBef>
-              <a:buClr>
-                <a:srgbClr val="000000"/>
-              </a:buClr>
-              <a:buSzPct val="75000"/>
-              <a:buFont typeface="Symbol" charset="2"/>
-              <a:buChar char=""/>
-            </a:pPr>
-            <a:r>
-              <a:rPr b="0" lang="en-US" sz="2800" spc="-1" strike="noStrike">
-                <a:latin typeface="Arial"/>
-              </a:rPr>
-              <a:t>Indexed arrays- arrays with a numeric index</a:t>
-            </a:r>
-            <a:endParaRPr b="0" lang="en-US" sz="2800" spc="-1" strike="noStrike">
-              <a:latin typeface="Arial"/>
-            </a:endParaRPr>
-          </a:p>
-          <a:p>
-            <a:pPr lvl="1" marL="864000" indent="-324000">
-              <a:spcBef>
-                <a:spcPts val="1134"/>
-              </a:spcBef>
-              <a:buClr>
-                <a:srgbClr val="000000"/>
-              </a:buClr>
-              <a:buSzPct val="75000"/>
-              <a:buFont typeface="Symbol" charset="2"/>
-              <a:buChar char=""/>
-            </a:pPr>
-            <a:r>
-              <a:rPr b="0" lang="en-US" sz="2800" spc="-1" strike="noStrike">
-                <a:latin typeface="Arial"/>
-              </a:rPr>
-              <a:t>Associative arrays- arrays with named keys</a:t>
-            </a:r>
-            <a:endParaRPr b="0" lang="en-US" sz="2800" spc="-1" strike="noStrike">
-              <a:latin typeface="Arial"/>
-            </a:endParaRPr>
-          </a:p>
-          <a:p>
-            <a:pPr lvl="1" marL="864000" indent="-324000">
-              <a:spcBef>
-                <a:spcPts val="1134"/>
-              </a:spcBef>
-              <a:buClr>
-                <a:srgbClr val="000000"/>
-              </a:buClr>
-              <a:buSzPct val="75000"/>
-              <a:buFont typeface="Symbol" charset="2"/>
-              <a:buChar char=""/>
-            </a:pPr>
-            <a:r>
-              <a:rPr b="0" lang="en-US" sz="2800" spc="-1" strike="noStrike">
-                <a:latin typeface="Arial"/>
-              </a:rPr>
-              <a:t>Multidimensional arrays- Arrays containing one or more arrays</a:t>
-            </a:r>
-            <a:endParaRPr b="0" lang="en-US" sz="2800" spc="-1" strike="noStrike">
-              <a:latin typeface="Arial"/>
-            </a:endParaRPr>
-          </a:p>
-        </p:txBody>
-      </p:sp>
-      <p:sp>
-        <p:nvSpPr>
-          <p:cNvPr id="87" name="TextShape 3"/>
+              <a:t> </a:t>
+            </a:r>
+            <a:r>
+              <a:rPr b="0" lang="en-US" sz="3200" spc="-1" strike="noStrike">
+                <a:latin typeface="Arial"/>
+              </a:rPr>
+              <a:t>NaN stands for Not a Number</a:t>
+            </a:r>
+            <a:endParaRPr b="0" lang="en-US" sz="3200" spc="-1" strike="noStrike">
+              <a:latin typeface="Arial"/>
+            </a:endParaRPr>
+          </a:p>
+          <a:p>
+            <a:pPr marL="432000" indent="-324000">
+              <a:spcBef>
+                <a:spcPts val="1417"/>
+              </a:spcBef>
+              <a:buClr>
+                <a:srgbClr val="000000"/>
+              </a:buClr>
+              <a:buSzPct val="45000"/>
+              <a:buFont typeface="Wingdings" charset="2"/>
+              <a:buChar char=""/>
+            </a:pPr>
+            <a:r>
+              <a:rPr b="0" lang="en-US" sz="3200" spc="-1" strike="noStrike">
+                <a:latin typeface="Arial"/>
+              </a:rPr>
+              <a:t>NaN is used for impossible mathematical operations.</a:t>
+            </a:r>
+            <a:endParaRPr b="0" lang="en-US" sz="3200" spc="-1" strike="noStrike">
+              <a:latin typeface="Arial"/>
+            </a:endParaRPr>
+          </a:p>
+          <a:p>
+            <a:pPr marL="432000" indent="-324000">
+              <a:spcBef>
+                <a:spcPts val="1417"/>
+              </a:spcBef>
+              <a:buClr>
+                <a:srgbClr val="000000"/>
+              </a:buClr>
+              <a:buSzPct val="45000"/>
+              <a:buFont typeface="Wingdings" charset="2"/>
+              <a:buChar char=""/>
+            </a:pPr>
+            <a:r>
+              <a:rPr b="0" lang="en-US" sz="3200" spc="-1" strike="noStrike">
+                <a:latin typeface="Arial"/>
+              </a:rPr>
+              <a:t>PHP has the function to check if a value is not a number: is_nan()</a:t>
+            </a:r>
+            <a:endParaRPr b="0" lang="en-US" sz="3200" spc="-1" strike="noStrike">
+              <a:latin typeface="Arial"/>
+            </a:endParaRPr>
+          </a:p>
+          <a:p>
+            <a:pPr marL="432000" indent="-324000">
+              <a:spcBef>
+                <a:spcPts val="1417"/>
+              </a:spcBef>
+              <a:buClr>
+                <a:srgbClr val="000000"/>
+              </a:buClr>
+              <a:buSzPct val="45000"/>
+              <a:buFont typeface="Wingdings" charset="2"/>
+              <a:buChar char=""/>
+            </a:pPr>
+            <a:r>
+              <a:rPr b="0" lang="en-US" sz="3200" spc="-1" strike="noStrike">
+                <a:latin typeface="Arial"/>
+              </a:rPr>
+              <a:t>$x = acos(8);</a:t>
+            </a:r>
+            <a:endParaRPr b="0" lang="en-US" sz="3200" spc="-1" strike="noStrike">
+              <a:latin typeface="Arial"/>
+            </a:endParaRPr>
+          </a:p>
+          <a:p>
+            <a:pPr marL="432000" indent="-324000">
+              <a:spcBef>
+                <a:spcPts val="1417"/>
+              </a:spcBef>
+              <a:buClr>
+                <a:srgbClr val="000000"/>
+              </a:buClr>
+              <a:buSzPct val="45000"/>
+              <a:buFont typeface="Wingdings" charset="2"/>
+              <a:buChar char=""/>
+            </a:pPr>
+            <a:r>
+              <a:rPr b="0" lang="en-US" sz="3200" spc="-1" strike="noStrike">
+                <a:latin typeface="Arial"/>
+              </a:rPr>
+              <a:t>var_dump($x); //return NaN</a:t>
+            </a:r>
+            <a:endParaRPr b="0" lang="en-US" sz="3200" spc="-1" strike="noStrike">
+              <a:latin typeface="Arial"/>
+            </a:endParaRPr>
+          </a:p>
+        </p:txBody>
+      </p:sp>
+      <p:sp>
+        <p:nvSpPr>
+          <p:cNvPr id="90" name="TextShape 3"/>
           <p:cNvSpPr txBox="1"/>
           <p:nvPr/>
         </p:nvSpPr>
         <p:spPr>
           <a:xfrm>
-            <a:off x="9052560" y="5323680"/>
-            <a:ext cx="1031040" cy="346320"/>
+            <a:off x="7406640" y="5029200"/>
+            <a:ext cx="2194560" cy="346320"/>
           </a:xfrm>
           <a:prstGeom prst="rect">
             <a:avLst/>
@@ -4280,6 +4887,468 @@
 </p:sld>
 </file>
 
+<file path=ppt/slides/slide18.xml><?xml version="1.0" encoding="utf-8"?>
+<p:sld xmlns:a="http://schemas.openxmlformats.org/drawingml/2006/main" xmlns:p="http://schemas.openxmlformats.org/presentationml/2006/main" xmlns:r="http://schemas.openxmlformats.org/officeDocument/2006/relationships" xmlns:p14="http://schemas.microsoft.com/office/powerpoint/2010/main" xmlns:p15="http://schemas.microsoft.com/office/powerpoint/2012/main" xmlns:mc="http://schemas.openxmlformats.org/markup-compatibility/2006">
+  <p:cSld>
+    <p:spTree>
+      <p:nvGrpSpPr>
+        <p:cNvPr id="1" name=""/>
+        <p:cNvGrpSpPr/>
+        <p:nvPr/>
+      </p:nvGrpSpPr>
+      <p:grpSpPr>
+        <a:xfrm>
+          <a:off x="0" y="0"/>
+          <a:ext cx="0" cy="0"/>
+          <a:chOff x="0" y="0"/>
+          <a:chExt cx="0" cy="0"/>
+        </a:xfrm>
+      </p:grpSpPr>
+      <p:sp>
+        <p:nvSpPr>
+          <p:cNvPr id="91" name="TextShape 1"/>
+          <p:cNvSpPr txBox="1"/>
+          <p:nvPr/>
+        </p:nvSpPr>
+        <p:spPr>
+          <a:xfrm>
+            <a:off x="504000" y="226080"/>
+            <a:ext cx="9071640" cy="946440"/>
+          </a:xfrm>
+          <a:prstGeom prst="rect">
+            <a:avLst/>
+          </a:prstGeom>
+          <a:noFill/>
+          <a:ln>
+            <a:noFill/>
+          </a:ln>
+        </p:spPr>
+        <p:txBody>
+          <a:bodyPr lIns="0" rIns="0" tIns="0" bIns="0" anchor="ctr"/>
+          <a:p>
+            <a:pPr algn="ctr"/>
+            <a:r>
+              <a:rPr b="0" lang="en-US" sz="4400" spc="-1" strike="noStrike">
+                <a:latin typeface="Arial"/>
+              </a:rPr>
+              <a:t>PHP Data Types: floats</a:t>
+            </a:r>
+            <a:endParaRPr b="0" lang="en-US" sz="4400" spc="-1" strike="noStrike">
+              <a:latin typeface="Arial"/>
+            </a:endParaRPr>
+          </a:p>
+        </p:txBody>
+      </p:sp>
+      <p:sp>
+        <p:nvSpPr>
+          <p:cNvPr id="92" name="TextShape 2"/>
+          <p:cNvSpPr txBox="1"/>
+          <p:nvPr/>
+        </p:nvSpPr>
+        <p:spPr>
+          <a:xfrm>
+            <a:off x="504000" y="1326600"/>
+            <a:ext cx="9071640" cy="3794040"/>
+          </a:xfrm>
+          <a:prstGeom prst="rect">
+            <a:avLst/>
+          </a:prstGeom>
+          <a:noFill/>
+          <a:ln>
+            <a:noFill/>
+          </a:ln>
+        </p:spPr>
+        <p:txBody>
+          <a:bodyPr lIns="0" rIns="0" tIns="0" bIns="0">
+            <a:normAutofit/>
+          </a:bodyPr>
+          <a:p>
+            <a:pPr marL="432000" indent="-324000">
+              <a:spcBef>
+                <a:spcPts val="1417"/>
+              </a:spcBef>
+              <a:buClr>
+                <a:srgbClr val="000000"/>
+              </a:buClr>
+              <a:buSzPct val="45000"/>
+              <a:buFont typeface="Wingdings" charset="2"/>
+              <a:buChar char=""/>
+            </a:pPr>
+            <a:r>
+              <a:rPr b="0" lang="en-US" sz="3200" spc="-1" strike="noStrike">
+                <a:latin typeface="Arial"/>
+              </a:rPr>
+              <a:t>A float (floating point number) is a number with a decimal point or a number in exponential form.</a:t>
+            </a:r>
+            <a:endParaRPr b="0" lang="en-US" sz="3200" spc="-1" strike="noStrike">
+              <a:latin typeface="Arial"/>
+            </a:endParaRPr>
+          </a:p>
+          <a:p>
+            <a:pPr marL="432000" indent="-324000">
+              <a:spcBef>
+                <a:spcPts val="1417"/>
+              </a:spcBef>
+              <a:buClr>
+                <a:srgbClr val="000000"/>
+              </a:buClr>
+              <a:buSzPct val="45000"/>
+              <a:buFont typeface="Wingdings" charset="2"/>
+              <a:buChar char=""/>
+            </a:pPr>
+            <a:r>
+              <a:rPr b="0" lang="en-US" sz="3200" spc="-1" strike="noStrike">
+                <a:latin typeface="Arial"/>
+              </a:rPr>
+              <a:t>$x = 234.12;</a:t>
+            </a:r>
+            <a:endParaRPr b="0" lang="en-US" sz="3200" spc="-1" strike="noStrike">
+              <a:latin typeface="Arial"/>
+            </a:endParaRPr>
+          </a:p>
+          <a:p>
+            <a:pPr marL="432000" indent="-324000">
+              <a:spcBef>
+                <a:spcPts val="1417"/>
+              </a:spcBef>
+              <a:buClr>
+                <a:srgbClr val="000000"/>
+              </a:buClr>
+              <a:buSzPct val="45000"/>
+              <a:buFont typeface="Wingdings" charset="2"/>
+              <a:buChar char=""/>
+            </a:pPr>
+            <a:r>
+              <a:rPr b="0" lang="en-US" sz="3200" spc="-1" strike="noStrike">
+                <a:latin typeface="Arial"/>
+              </a:rPr>
+              <a:t>var_dump($x);</a:t>
+            </a:r>
+            <a:endParaRPr b="0" lang="en-US" sz="3200" spc="-1" strike="noStrike">
+              <a:latin typeface="Arial"/>
+            </a:endParaRPr>
+          </a:p>
+        </p:txBody>
+      </p:sp>
+      <p:sp>
+        <p:nvSpPr>
+          <p:cNvPr id="93" name="TextShape 3"/>
+          <p:cNvSpPr txBox="1"/>
+          <p:nvPr/>
+        </p:nvSpPr>
+        <p:spPr>
+          <a:xfrm>
+            <a:off x="7406640" y="5029200"/>
+            <a:ext cx="2194560" cy="346320"/>
+          </a:xfrm>
+          <a:prstGeom prst="rect">
+            <a:avLst/>
+          </a:prstGeom>
+          <a:noFill/>
+          <a:ln>
+            <a:noFill/>
+          </a:ln>
+        </p:spPr>
+        <p:txBody>
+          <a:bodyPr lIns="90000" rIns="90000" tIns="45000" bIns="45000"/>
+          <a:p>
+            <a:r>
+              <a:rPr b="0" lang="en-US" sz="1800" spc="-1" strike="noStrike">
+                <a:latin typeface="Arial"/>
+              </a:rPr>
+              <a:t>Cont..</a:t>
+            </a:r>
+            <a:endParaRPr b="0" lang="en-US" sz="1800" spc="-1" strike="noStrike">
+              <a:latin typeface="Arial"/>
+            </a:endParaRPr>
+          </a:p>
+        </p:txBody>
+      </p:sp>
+    </p:spTree>
+  </p:cSld>
+  <mc:AlternateContent>
+    <mc:Choice Requires="p14">
+      <p:transition spd="slow" p14:dur="2000"/>
+    </mc:Choice>
+    <mc:Fallback>
+      <p:transition spd="slow"/>
+    </mc:Fallback>
+  </mc:AlternateContent>
+  <p:timing>
+    <p:tnLst>
+      <p:par>
+        <p:cTn id="35" dur="indefinite" restart="never" nodeType="tmRoot">
+          <p:childTnLst>
+            <p:seq>
+              <p:cTn id="36" dur="indefinite" nodeType="mainSeq"/>
+              <p:prevCondLst>
+                <p:cond delay="0" evt="onPrev">
+                  <p:tgtEl>
+                    <p:sldTgt/>
+                  </p:tgtEl>
+                </p:cond>
+              </p:prevCondLst>
+              <p:nextCondLst>
+                <p:cond delay="0" evt="onNext">
+                  <p:tgtEl>
+                    <p:sldTgt/>
+                  </p:tgtEl>
+                </p:cond>
+              </p:nextCondLst>
+            </p:seq>
+          </p:childTnLst>
+        </p:cTn>
+      </p:par>
+    </p:tnLst>
+  </p:timing>
+</p:sld>
+</file>
+
+<file path=ppt/slides/slide19.xml><?xml version="1.0" encoding="utf-8"?>
+<p:sld xmlns:a="http://schemas.openxmlformats.org/drawingml/2006/main" xmlns:p="http://schemas.openxmlformats.org/presentationml/2006/main" xmlns:r="http://schemas.openxmlformats.org/officeDocument/2006/relationships" xmlns:p14="http://schemas.microsoft.com/office/powerpoint/2010/main" xmlns:p15="http://schemas.microsoft.com/office/powerpoint/2012/main" xmlns:mc="http://schemas.openxmlformats.org/markup-compatibility/2006">
+  <p:cSld>
+    <p:spTree>
+      <p:nvGrpSpPr>
+        <p:cNvPr id="1" name=""/>
+        <p:cNvGrpSpPr/>
+        <p:nvPr/>
+      </p:nvGrpSpPr>
+      <p:grpSpPr>
+        <a:xfrm>
+          <a:off x="0" y="0"/>
+          <a:ext cx="0" cy="0"/>
+          <a:chOff x="0" y="0"/>
+          <a:chExt cx="0" cy="0"/>
+        </a:xfrm>
+      </p:grpSpPr>
+      <p:sp>
+        <p:nvSpPr>
+          <p:cNvPr id="94" name="TextShape 1"/>
+          <p:cNvSpPr txBox="1"/>
+          <p:nvPr/>
+        </p:nvSpPr>
+        <p:spPr>
+          <a:xfrm>
+            <a:off x="504000" y="226080"/>
+            <a:ext cx="9071640" cy="946440"/>
+          </a:xfrm>
+          <a:prstGeom prst="rect">
+            <a:avLst/>
+          </a:prstGeom>
+          <a:noFill/>
+          <a:ln>
+            <a:noFill/>
+          </a:ln>
+        </p:spPr>
+        <p:txBody>
+          <a:bodyPr lIns="0" rIns="0" tIns="0" bIns="0" anchor="ctr"/>
+          <a:p>
+            <a:pPr algn="ctr"/>
+            <a:r>
+              <a:rPr b="0" lang="en-US" sz="4400" spc="-1" strike="noStrike">
+                <a:latin typeface="Arial"/>
+              </a:rPr>
+              <a:t>PHP Data Types: floats</a:t>
+            </a:r>
+            <a:endParaRPr b="0" lang="en-US" sz="4400" spc="-1" strike="noStrike">
+              <a:latin typeface="Arial"/>
+            </a:endParaRPr>
+          </a:p>
+        </p:txBody>
+      </p:sp>
+      <p:sp>
+        <p:nvSpPr>
+          <p:cNvPr id="95" name="TextShape 2"/>
+          <p:cNvSpPr txBox="1"/>
+          <p:nvPr/>
+        </p:nvSpPr>
+        <p:spPr>
+          <a:xfrm>
+            <a:off x="504000" y="1326600"/>
+            <a:ext cx="9071640" cy="3794040"/>
+          </a:xfrm>
+          <a:prstGeom prst="rect">
+            <a:avLst/>
+          </a:prstGeom>
+          <a:noFill/>
+          <a:ln>
+            <a:noFill/>
+          </a:ln>
+        </p:spPr>
+        <p:txBody>
+          <a:bodyPr lIns="0" rIns="0" tIns="0" bIns="0">
+            <a:normAutofit/>
+          </a:bodyPr>
+          <a:p>
+            <a:pPr marL="432000" indent="-324000">
+              <a:spcBef>
+                <a:spcPts val="1417"/>
+              </a:spcBef>
+              <a:buClr>
+                <a:srgbClr val="000000"/>
+              </a:buClr>
+              <a:buSzPct val="45000"/>
+              <a:buFont typeface="Wingdings" charset="2"/>
+              <a:buChar char=""/>
+            </a:pPr>
+            <a:r>
+              <a:rPr b="0" lang="en-US" sz="3200" spc="-1" strike="noStrike">
+                <a:latin typeface="Arial"/>
+              </a:rPr>
+              <a:t>The float data type can commonly store a value up to 1.7976931348623E+308 (platform dependent), and have a maximum precision of 14 digits.</a:t>
+            </a:r>
+            <a:endParaRPr b="0" lang="en-US" sz="3200" spc="-1" strike="noStrike">
+              <a:latin typeface="Arial"/>
+            </a:endParaRPr>
+          </a:p>
+          <a:p>
+            <a:pPr marL="432000" indent="-324000">
+              <a:spcBef>
+                <a:spcPts val="1417"/>
+              </a:spcBef>
+              <a:buClr>
+                <a:srgbClr val="000000"/>
+              </a:buClr>
+              <a:buSzPct val="45000"/>
+              <a:buFont typeface="Wingdings" charset="2"/>
+              <a:buChar char=""/>
+            </a:pPr>
+            <a:r>
+              <a:rPr b="0" lang="en-US" sz="3200" spc="-1" strike="noStrike">
+                <a:latin typeface="Arial"/>
+              </a:rPr>
+              <a:t>  </a:t>
+            </a:r>
+            <a:r>
+              <a:rPr b="0" lang="en-US" sz="3200" spc="-1" strike="noStrike">
+                <a:latin typeface="Arial"/>
+              </a:rPr>
+              <a:t>is_float()</a:t>
+            </a:r>
+            <a:endParaRPr b="0" lang="en-US" sz="3200" spc="-1" strike="noStrike">
+              <a:latin typeface="Arial"/>
+            </a:endParaRPr>
+          </a:p>
+          <a:p>
+            <a:pPr marL="432000" indent="-324000">
+              <a:spcBef>
+                <a:spcPts val="1417"/>
+              </a:spcBef>
+              <a:buClr>
+                <a:srgbClr val="000000"/>
+              </a:buClr>
+              <a:buSzPct val="45000"/>
+              <a:buFont typeface="Wingdings" charset="2"/>
+              <a:buChar char=""/>
+            </a:pPr>
+            <a:r>
+              <a:rPr b="0" lang="en-US" sz="3200" spc="-1" strike="noStrike">
+                <a:latin typeface="Arial"/>
+              </a:rPr>
+              <a:t>  </a:t>
+            </a:r>
+            <a:r>
+              <a:rPr b="0" lang="en-US" sz="3200" spc="-1" strike="noStrike">
+                <a:latin typeface="Arial"/>
+              </a:rPr>
+              <a:t>is_double() - alias of is_float()</a:t>
+            </a:r>
+            <a:endParaRPr b="0" lang="en-US" sz="3200" spc="-1" strike="noStrike">
+              <a:latin typeface="Arial"/>
+            </a:endParaRPr>
+          </a:p>
+          <a:p>
+            <a:pPr marL="432000" indent="-324000">
+              <a:spcBef>
+                <a:spcPts val="1417"/>
+              </a:spcBef>
+              <a:buClr>
+                <a:srgbClr val="000000"/>
+              </a:buClr>
+              <a:buSzPct val="45000"/>
+              <a:buFont typeface="Wingdings" charset="2"/>
+              <a:buChar char=""/>
+            </a:pPr>
+            <a:endParaRPr b="0" lang="en-US" sz="3200" spc="-1" strike="noStrike">
+              <a:latin typeface="Arial"/>
+            </a:endParaRPr>
+          </a:p>
+        </p:txBody>
+      </p:sp>
+      <p:sp>
+        <p:nvSpPr>
+          <p:cNvPr id="96" name="TextShape 3"/>
+          <p:cNvSpPr txBox="1"/>
+          <p:nvPr/>
+        </p:nvSpPr>
+        <p:spPr>
+          <a:xfrm>
+            <a:off x="7406640" y="5029200"/>
+            <a:ext cx="2194560" cy="346320"/>
+          </a:xfrm>
+          <a:prstGeom prst="rect">
+            <a:avLst/>
+          </a:prstGeom>
+          <a:noFill/>
+          <a:ln>
+            <a:noFill/>
+          </a:ln>
+        </p:spPr>
+        <p:txBody>
+          <a:bodyPr lIns="90000" rIns="90000" tIns="45000" bIns="45000"/>
+          <a:p>
+            <a:r>
+              <a:rPr b="0" lang="en-US" sz="1800" spc="-1" strike="noStrike">
+                <a:latin typeface="Arial"/>
+              </a:rPr>
+              <a:t>Cont..</a:t>
+            </a:r>
+            <a:endParaRPr b="0" lang="en-US" sz="1800" spc="-1" strike="noStrike">
+              <a:latin typeface="Arial"/>
+            </a:endParaRPr>
+          </a:p>
+        </p:txBody>
+      </p:sp>
+    </p:spTree>
+  </p:cSld>
+  <mc:AlternateContent>
+    <mc:Choice Requires="p14">
+      <p:transition spd="slow" p14:dur="2000"/>
+    </mc:Choice>
+    <mc:Fallback>
+      <p:transition spd="slow"/>
+    </mc:Fallback>
+  </mc:AlternateContent>
+  <p:timing>
+    <p:tnLst>
+      <p:par>
+        <p:cTn id="37" dur="indefinite" restart="never" nodeType="tmRoot">
+          <p:childTnLst>
+            <p:seq>
+              <p:cTn id="38" dur="indefinite" nodeType="mainSeq"/>
+              <p:prevCondLst>
+                <p:cond delay="0" evt="onPrev">
+                  <p:tgtEl>
+                    <p:sldTgt/>
+                  </p:tgtEl>
+                </p:cond>
+              </p:prevCondLst>
+              <p:nextCondLst>
+                <p:cond delay="0" evt="onNext">
+                  <p:tgtEl>
+                    <p:sldTgt/>
+                  </p:tgtEl>
+                </p:cond>
+              </p:nextCondLst>
+            </p:seq>
+          </p:childTnLst>
+        </p:cTn>
+      </p:par>
+    </p:tnLst>
+  </p:timing>
+</p:sld>
+</file>
+
 <file path=ppt/slides/slide2.xml><?xml version="1.0" encoding="utf-8"?>
 <p:sld xmlns:a="http://schemas.openxmlformats.org/drawingml/2006/main" xmlns:p="http://schemas.openxmlformats.org/presentationml/2006/main" xmlns:r="http://schemas.openxmlformats.org/officeDocument/2006/relationships" xmlns:p14="http://schemas.microsoft.com/office/powerpoint/2010/main" xmlns:p15="http://schemas.microsoft.com/office/powerpoint/2012/main" xmlns:mc="http://schemas.openxmlformats.org/markup-compatibility/2006">
   <p:cSld>
@@ -4506,6 +5575,688 @@
           <p:childTnLst>
             <p:seq>
               <p:cTn id="4" dur="indefinite" nodeType="mainSeq"/>
+              <p:prevCondLst>
+                <p:cond delay="0" evt="onPrev">
+                  <p:tgtEl>
+                    <p:sldTgt/>
+                  </p:tgtEl>
+                </p:cond>
+              </p:prevCondLst>
+              <p:nextCondLst>
+                <p:cond delay="0" evt="onNext">
+                  <p:tgtEl>
+                    <p:sldTgt/>
+                  </p:tgtEl>
+                </p:cond>
+              </p:nextCondLst>
+            </p:seq>
+          </p:childTnLst>
+        </p:cTn>
+      </p:par>
+    </p:tnLst>
+  </p:timing>
+</p:sld>
+</file>
+
+<file path=ppt/slides/slide20.xml><?xml version="1.0" encoding="utf-8"?>
+<p:sld xmlns:a="http://schemas.openxmlformats.org/drawingml/2006/main" xmlns:p="http://schemas.openxmlformats.org/presentationml/2006/main" xmlns:r="http://schemas.openxmlformats.org/officeDocument/2006/relationships" xmlns:p14="http://schemas.microsoft.com/office/powerpoint/2010/main" xmlns:p15="http://schemas.microsoft.com/office/powerpoint/2012/main" xmlns:mc="http://schemas.openxmlformats.org/markup-compatibility/2006">
+  <p:cSld>
+    <p:spTree>
+      <p:nvGrpSpPr>
+        <p:cNvPr id="1" name=""/>
+        <p:cNvGrpSpPr/>
+        <p:nvPr/>
+      </p:nvGrpSpPr>
+      <p:grpSpPr>
+        <a:xfrm>
+          <a:off x="0" y="0"/>
+          <a:ext cx="0" cy="0"/>
+          <a:chOff x="0" y="0"/>
+          <a:chExt cx="0" cy="0"/>
+        </a:xfrm>
+      </p:grpSpPr>
+      <p:sp>
+        <p:nvSpPr>
+          <p:cNvPr id="97" name="TextShape 1"/>
+          <p:cNvSpPr txBox="1"/>
+          <p:nvPr/>
+        </p:nvSpPr>
+        <p:spPr>
+          <a:xfrm>
+            <a:off x="504000" y="226080"/>
+            <a:ext cx="9071640" cy="946440"/>
+          </a:xfrm>
+          <a:prstGeom prst="rect">
+            <a:avLst/>
+          </a:prstGeom>
+          <a:noFill/>
+          <a:ln>
+            <a:noFill/>
+          </a:ln>
+        </p:spPr>
+        <p:txBody>
+          <a:bodyPr lIns="0" rIns="0" tIns="0" bIns="0" anchor="ctr"/>
+          <a:p>
+            <a:pPr algn="ctr"/>
+            <a:r>
+              <a:rPr b="0" lang="en-US" sz="4400" spc="-1" strike="noStrike">
+                <a:latin typeface="Arial"/>
+              </a:rPr>
+              <a:t>PHP Data Types: boolean</a:t>
+            </a:r>
+            <a:endParaRPr b="0" lang="en-US" sz="4400" spc="-1" strike="noStrike">
+              <a:latin typeface="Arial"/>
+            </a:endParaRPr>
+          </a:p>
+        </p:txBody>
+      </p:sp>
+      <p:sp>
+        <p:nvSpPr>
+          <p:cNvPr id="98" name="TextShape 2"/>
+          <p:cNvSpPr txBox="1"/>
+          <p:nvPr/>
+        </p:nvSpPr>
+        <p:spPr>
+          <a:xfrm>
+            <a:off x="504000" y="1326600"/>
+            <a:ext cx="9071640" cy="3794040"/>
+          </a:xfrm>
+          <a:prstGeom prst="rect">
+            <a:avLst/>
+          </a:prstGeom>
+          <a:noFill/>
+          <a:ln>
+            <a:noFill/>
+          </a:ln>
+        </p:spPr>
+        <p:txBody>
+          <a:bodyPr lIns="0" rIns="0" tIns="0" bIns="0">
+            <a:normAutofit/>
+          </a:bodyPr>
+          <a:p>
+            <a:pPr marL="432000" indent="-324000">
+              <a:spcBef>
+                <a:spcPts val="1417"/>
+              </a:spcBef>
+              <a:buClr>
+                <a:srgbClr val="000000"/>
+              </a:buClr>
+              <a:buSzPct val="45000"/>
+              <a:buFont typeface="Wingdings" charset="2"/>
+              <a:buChar char=""/>
+            </a:pPr>
+            <a:r>
+              <a:rPr b="0" lang="en-US" sz="3200" spc="-1" strike="noStrike">
+                <a:latin typeface="Arial"/>
+              </a:rPr>
+              <a:t>A Boolean represents two possible states: TRUE or FALSE.</a:t>
+            </a:r>
+            <a:endParaRPr b="0" lang="en-US" sz="3200" spc="-1" strike="noStrike">
+              <a:latin typeface="Arial"/>
+            </a:endParaRPr>
+          </a:p>
+          <a:p>
+            <a:pPr marL="432000" indent="-324000">
+              <a:spcBef>
+                <a:spcPts val="1417"/>
+              </a:spcBef>
+              <a:buClr>
+                <a:srgbClr val="000000"/>
+              </a:buClr>
+              <a:buSzPct val="45000"/>
+              <a:buFont typeface="Wingdings" charset="2"/>
+              <a:buChar char=""/>
+            </a:pPr>
+            <a:r>
+              <a:rPr b="0" lang="en-US" sz="3200" spc="-1" strike="noStrike">
+                <a:latin typeface="Arial"/>
+              </a:rPr>
+              <a:t>$x = true;</a:t>
+            </a:r>
+            <a:endParaRPr b="0" lang="en-US" sz="3200" spc="-1" strike="noStrike">
+              <a:latin typeface="Arial"/>
+            </a:endParaRPr>
+          </a:p>
+          <a:p>
+            <a:pPr marL="432000" indent="-324000">
+              <a:spcBef>
+                <a:spcPts val="1417"/>
+              </a:spcBef>
+              <a:buClr>
+                <a:srgbClr val="000000"/>
+              </a:buClr>
+              <a:buSzPct val="45000"/>
+              <a:buFont typeface="Wingdings" charset="2"/>
+              <a:buChar char=""/>
+            </a:pPr>
+            <a:r>
+              <a:rPr b="0" lang="en-US" sz="3200" spc="-1" strike="noStrike">
+                <a:latin typeface="Arial"/>
+              </a:rPr>
+              <a:t>$y=false;</a:t>
+            </a:r>
+            <a:endParaRPr b="0" lang="en-US" sz="3200" spc="-1" strike="noStrike">
+              <a:latin typeface="Arial"/>
+            </a:endParaRPr>
+          </a:p>
+          <a:p>
+            <a:pPr marL="432000" indent="-324000">
+              <a:spcBef>
+                <a:spcPts val="1417"/>
+              </a:spcBef>
+              <a:buClr>
+                <a:srgbClr val="000000"/>
+              </a:buClr>
+              <a:buSzPct val="45000"/>
+              <a:buFont typeface="Wingdings" charset="2"/>
+              <a:buChar char=""/>
+            </a:pPr>
+            <a:r>
+              <a:rPr b="0" lang="en-US" sz="3200" spc="-1" strike="noStrike">
+                <a:latin typeface="Arial"/>
+              </a:rPr>
+              <a:t>var_dump($x)</a:t>
+            </a:r>
+            <a:endParaRPr b="0" lang="en-US" sz="3200" spc="-1" strike="noStrike">
+              <a:latin typeface="Arial"/>
+            </a:endParaRPr>
+          </a:p>
+        </p:txBody>
+      </p:sp>
+      <p:sp>
+        <p:nvSpPr>
+          <p:cNvPr id="99" name="TextShape 3"/>
+          <p:cNvSpPr txBox="1"/>
+          <p:nvPr/>
+        </p:nvSpPr>
+        <p:spPr>
+          <a:xfrm>
+            <a:off x="7406640" y="5029200"/>
+            <a:ext cx="2194560" cy="346320"/>
+          </a:xfrm>
+          <a:prstGeom prst="rect">
+            <a:avLst/>
+          </a:prstGeom>
+          <a:noFill/>
+          <a:ln>
+            <a:noFill/>
+          </a:ln>
+        </p:spPr>
+        <p:txBody>
+          <a:bodyPr lIns="90000" rIns="90000" tIns="45000" bIns="45000"/>
+          <a:p>
+            <a:r>
+              <a:rPr b="0" lang="en-US" sz="1800" spc="-1" strike="noStrike">
+                <a:latin typeface="Arial"/>
+              </a:rPr>
+              <a:t>Cont..</a:t>
+            </a:r>
+            <a:endParaRPr b="0" lang="en-US" sz="1800" spc="-1" strike="noStrike">
+              <a:latin typeface="Arial"/>
+            </a:endParaRPr>
+          </a:p>
+        </p:txBody>
+      </p:sp>
+    </p:spTree>
+  </p:cSld>
+  <mc:AlternateContent>
+    <mc:Choice Requires="p14">
+      <p:transition spd="slow" p14:dur="2000"/>
+    </mc:Choice>
+    <mc:Fallback>
+      <p:transition spd="slow"/>
+    </mc:Fallback>
+  </mc:AlternateContent>
+  <p:timing>
+    <p:tnLst>
+      <p:par>
+        <p:cTn id="39" dur="indefinite" restart="never" nodeType="tmRoot">
+          <p:childTnLst>
+            <p:seq>
+              <p:cTn id="40" dur="indefinite" nodeType="mainSeq"/>
+              <p:prevCondLst>
+                <p:cond delay="0" evt="onPrev">
+                  <p:tgtEl>
+                    <p:sldTgt/>
+                  </p:tgtEl>
+                </p:cond>
+              </p:prevCondLst>
+              <p:nextCondLst>
+                <p:cond delay="0" evt="onNext">
+                  <p:tgtEl>
+                    <p:sldTgt/>
+                  </p:tgtEl>
+                </p:cond>
+              </p:nextCondLst>
+            </p:seq>
+          </p:childTnLst>
+        </p:cTn>
+      </p:par>
+    </p:tnLst>
+  </p:timing>
+</p:sld>
+</file>
+
+<file path=ppt/slides/slide21.xml><?xml version="1.0" encoding="utf-8"?>
+<p:sld xmlns:a="http://schemas.openxmlformats.org/drawingml/2006/main" xmlns:p="http://schemas.openxmlformats.org/presentationml/2006/main" xmlns:r="http://schemas.openxmlformats.org/officeDocument/2006/relationships" xmlns:p14="http://schemas.microsoft.com/office/powerpoint/2010/main" xmlns:p15="http://schemas.microsoft.com/office/powerpoint/2012/main" xmlns:mc="http://schemas.openxmlformats.org/markup-compatibility/2006">
+  <p:cSld>
+    <p:spTree>
+      <p:nvGrpSpPr>
+        <p:cNvPr id="1" name=""/>
+        <p:cNvGrpSpPr/>
+        <p:nvPr/>
+      </p:nvGrpSpPr>
+      <p:grpSpPr>
+        <a:xfrm>
+          <a:off x="0" y="0"/>
+          <a:ext cx="0" cy="0"/>
+          <a:chOff x="0" y="0"/>
+          <a:chExt cx="0" cy="0"/>
+        </a:xfrm>
+      </p:grpSpPr>
+      <p:sp>
+        <p:nvSpPr>
+          <p:cNvPr id="100" name="TextShape 1"/>
+          <p:cNvSpPr txBox="1"/>
+          <p:nvPr/>
+        </p:nvSpPr>
+        <p:spPr>
+          <a:xfrm>
+            <a:off x="504000" y="226080"/>
+            <a:ext cx="9071640" cy="946440"/>
+          </a:xfrm>
+          <a:prstGeom prst="rect">
+            <a:avLst/>
+          </a:prstGeom>
+          <a:noFill/>
+          <a:ln>
+            <a:noFill/>
+          </a:ln>
+        </p:spPr>
+        <p:txBody>
+          <a:bodyPr lIns="0" rIns="0" tIns="0" bIns="0" anchor="ctr"/>
+          <a:p>
+            <a:pPr algn="ctr"/>
+            <a:r>
+              <a:rPr b="0" lang="en-US" sz="4400" spc="-1" strike="noStrike">
+                <a:latin typeface="Arial"/>
+              </a:rPr>
+              <a:t>PHP Data Types: arrays</a:t>
+            </a:r>
+            <a:endParaRPr b="0" lang="en-US" sz="4400" spc="-1" strike="noStrike">
+              <a:latin typeface="Arial"/>
+            </a:endParaRPr>
+          </a:p>
+        </p:txBody>
+      </p:sp>
+      <p:sp>
+        <p:nvSpPr>
+          <p:cNvPr id="101" name="TextShape 2"/>
+          <p:cNvSpPr txBox="1"/>
+          <p:nvPr/>
+        </p:nvSpPr>
+        <p:spPr>
+          <a:xfrm>
+            <a:off x="504000" y="1326600"/>
+            <a:ext cx="9071640" cy="4343400"/>
+          </a:xfrm>
+          <a:prstGeom prst="rect">
+            <a:avLst/>
+          </a:prstGeom>
+          <a:noFill/>
+          <a:ln>
+            <a:noFill/>
+          </a:ln>
+        </p:spPr>
+        <p:txBody>
+          <a:bodyPr lIns="0" rIns="0" tIns="0" bIns="0">
+            <a:normAutofit fontScale="80000"/>
+          </a:bodyPr>
+          <a:p>
+            <a:pPr marL="432000" indent="-324000">
+              <a:spcBef>
+                <a:spcPts val="1417"/>
+              </a:spcBef>
+              <a:buClr>
+                <a:srgbClr val="000000"/>
+              </a:buClr>
+              <a:buSzPct val="45000"/>
+              <a:buFont typeface="Wingdings" charset="2"/>
+              <a:buChar char=""/>
+            </a:pPr>
+            <a:r>
+              <a:rPr b="0" lang="en-US" sz="3200" spc="-1" strike="noStrike">
+                <a:latin typeface="Arial"/>
+              </a:rPr>
+              <a:t>Array represents with the method array()</a:t>
+            </a:r>
+            <a:endParaRPr b="0" lang="en-US" sz="3200" spc="-1" strike="noStrike">
+              <a:latin typeface="Arial"/>
+            </a:endParaRPr>
+          </a:p>
+          <a:p>
+            <a:pPr marL="432000" indent="-324000">
+              <a:spcBef>
+                <a:spcPts val="1417"/>
+              </a:spcBef>
+              <a:buClr>
+                <a:srgbClr val="000000"/>
+              </a:buClr>
+              <a:buSzPct val="45000"/>
+              <a:buFont typeface="Wingdings" charset="2"/>
+              <a:buChar char=""/>
+            </a:pPr>
+            <a:r>
+              <a:rPr b="0" lang="en-US" sz="3200" spc="-1" strike="noStrike">
+                <a:latin typeface="Arial"/>
+              </a:rPr>
+              <a:t>$x = array(‘php’,’mysql’,’python’);</a:t>
+            </a:r>
+            <a:endParaRPr b="0" lang="en-US" sz="3200" spc="-1" strike="noStrike">
+              <a:latin typeface="Arial"/>
+            </a:endParaRPr>
+          </a:p>
+          <a:p>
+            <a:pPr marL="432000" indent="-324000">
+              <a:spcBef>
+                <a:spcPts val="1417"/>
+              </a:spcBef>
+              <a:buClr>
+                <a:srgbClr val="000000"/>
+              </a:buClr>
+              <a:buSzPct val="45000"/>
+              <a:buFont typeface="Wingdings" charset="2"/>
+              <a:buChar char=""/>
+            </a:pPr>
+            <a:r>
+              <a:rPr b="0" lang="en-US" sz="3200" spc="-1" strike="noStrike">
+                <a:latin typeface="Arial"/>
+              </a:rPr>
+              <a:t>var_dump($x);</a:t>
+            </a:r>
+            <a:endParaRPr b="0" lang="en-US" sz="3200" spc="-1" strike="noStrike">
+              <a:latin typeface="Arial"/>
+            </a:endParaRPr>
+          </a:p>
+          <a:p>
+            <a:pPr marL="432000" indent="-324000">
+              <a:spcBef>
+                <a:spcPts val="1417"/>
+              </a:spcBef>
+              <a:buClr>
+                <a:srgbClr val="000000"/>
+              </a:buClr>
+              <a:buSzPct val="45000"/>
+              <a:buFont typeface="Wingdings" charset="2"/>
+              <a:buChar char=""/>
+            </a:pPr>
+            <a:r>
+              <a:rPr b="0" lang="en-US" sz="3200" spc="-1" strike="noStrike">
+                <a:latin typeface="Arial"/>
+              </a:rPr>
+              <a:t>echo $x[0];</a:t>
+            </a:r>
+            <a:endParaRPr b="0" lang="en-US" sz="3200" spc="-1" strike="noStrike">
+              <a:latin typeface="Arial"/>
+            </a:endParaRPr>
+          </a:p>
+          <a:p>
+            <a:pPr marL="432000" indent="-324000">
+              <a:spcBef>
+                <a:spcPts val="1417"/>
+              </a:spcBef>
+              <a:buClr>
+                <a:srgbClr val="000000"/>
+              </a:buClr>
+              <a:buSzPct val="45000"/>
+              <a:buFont typeface="Wingdings" charset="2"/>
+              <a:buChar char=""/>
+            </a:pPr>
+            <a:r>
+              <a:rPr b="0" lang="en-US" sz="3200" spc="-1" strike="noStrike">
+                <a:latin typeface="Arial"/>
+              </a:rPr>
+              <a:t>There are three types of arrays:</a:t>
+            </a:r>
+            <a:endParaRPr b="0" lang="en-US" sz="3200" spc="-1" strike="noStrike">
+              <a:latin typeface="Arial"/>
+            </a:endParaRPr>
+          </a:p>
+          <a:p>
+            <a:pPr lvl="1" marL="864000" indent="-324000">
+              <a:spcBef>
+                <a:spcPts val="1134"/>
+              </a:spcBef>
+              <a:buClr>
+                <a:srgbClr val="000000"/>
+              </a:buClr>
+              <a:buSzPct val="75000"/>
+              <a:buFont typeface="Symbol" charset="2"/>
+              <a:buChar char=""/>
+            </a:pPr>
+            <a:r>
+              <a:rPr b="0" lang="en-US" sz="2800" spc="-1" strike="noStrike">
+                <a:latin typeface="Arial"/>
+              </a:rPr>
+              <a:t>Indexed arrays- arrays with a numeric index</a:t>
+            </a:r>
+            <a:endParaRPr b="0" lang="en-US" sz="2800" spc="-1" strike="noStrike">
+              <a:latin typeface="Arial"/>
+            </a:endParaRPr>
+          </a:p>
+          <a:p>
+            <a:pPr lvl="1" marL="864000" indent="-324000">
+              <a:spcBef>
+                <a:spcPts val="1134"/>
+              </a:spcBef>
+              <a:buClr>
+                <a:srgbClr val="000000"/>
+              </a:buClr>
+              <a:buSzPct val="75000"/>
+              <a:buFont typeface="Symbol" charset="2"/>
+              <a:buChar char=""/>
+            </a:pPr>
+            <a:r>
+              <a:rPr b="0" lang="en-US" sz="2800" spc="-1" strike="noStrike">
+                <a:latin typeface="Arial"/>
+              </a:rPr>
+              <a:t>Associative arrays- arrays with named keys</a:t>
+            </a:r>
+            <a:endParaRPr b="0" lang="en-US" sz="2800" spc="-1" strike="noStrike">
+              <a:latin typeface="Arial"/>
+            </a:endParaRPr>
+          </a:p>
+          <a:p>
+            <a:pPr lvl="1" marL="864000" indent="-324000">
+              <a:spcBef>
+                <a:spcPts val="1134"/>
+              </a:spcBef>
+              <a:buClr>
+                <a:srgbClr val="000000"/>
+              </a:buClr>
+              <a:buSzPct val="75000"/>
+              <a:buFont typeface="Symbol" charset="2"/>
+              <a:buChar char=""/>
+            </a:pPr>
+            <a:r>
+              <a:rPr b="0" lang="en-US" sz="2800" spc="-1" strike="noStrike">
+                <a:latin typeface="Arial"/>
+              </a:rPr>
+              <a:t>Multidimensional arrays- Arrays containing one or more arrays</a:t>
+            </a:r>
+            <a:endParaRPr b="0" lang="en-US" sz="2800" spc="-1" strike="noStrike">
+              <a:latin typeface="Arial"/>
+            </a:endParaRPr>
+          </a:p>
+        </p:txBody>
+      </p:sp>
+      <p:sp>
+        <p:nvSpPr>
+          <p:cNvPr id="102" name="TextShape 3"/>
+          <p:cNvSpPr txBox="1"/>
+          <p:nvPr/>
+        </p:nvSpPr>
+        <p:spPr>
+          <a:xfrm>
+            <a:off x="9052560" y="5323680"/>
+            <a:ext cx="1031040" cy="346320"/>
+          </a:xfrm>
+          <a:prstGeom prst="rect">
+            <a:avLst/>
+          </a:prstGeom>
+          <a:noFill/>
+          <a:ln>
+            <a:noFill/>
+          </a:ln>
+        </p:spPr>
+        <p:txBody>
+          <a:bodyPr lIns="90000" rIns="90000" tIns="45000" bIns="45000"/>
+          <a:p>
+            <a:r>
+              <a:rPr b="0" lang="en-US" sz="1800" spc="-1" strike="noStrike">
+                <a:latin typeface="Arial"/>
+              </a:rPr>
+              <a:t>Cont..</a:t>
+            </a:r>
+            <a:endParaRPr b="0" lang="en-US" sz="1800" spc="-1" strike="noStrike">
+              <a:latin typeface="Arial"/>
+            </a:endParaRPr>
+          </a:p>
+        </p:txBody>
+      </p:sp>
+    </p:spTree>
+  </p:cSld>
+  <mc:AlternateContent>
+    <mc:Choice Requires="p14">
+      <p:transition spd="slow" p14:dur="2000"/>
+    </mc:Choice>
+    <mc:Fallback>
+      <p:transition spd="slow"/>
+    </mc:Fallback>
+  </mc:AlternateContent>
+  <p:timing>
+    <p:tnLst>
+      <p:par>
+        <p:cTn id="41" dur="indefinite" restart="never" nodeType="tmRoot">
+          <p:childTnLst>
+            <p:seq>
+              <p:cTn id="42" dur="indefinite" nodeType="mainSeq"/>
+              <p:prevCondLst>
+                <p:cond delay="0" evt="onPrev">
+                  <p:tgtEl>
+                    <p:sldTgt/>
+                  </p:tgtEl>
+                </p:cond>
+              </p:prevCondLst>
+              <p:nextCondLst>
+                <p:cond delay="0" evt="onNext">
+                  <p:tgtEl>
+                    <p:sldTgt/>
+                  </p:tgtEl>
+                </p:cond>
+              </p:nextCondLst>
+            </p:seq>
+          </p:childTnLst>
+        </p:cTn>
+      </p:par>
+    </p:tnLst>
+  </p:timing>
+</p:sld>
+</file>
+
+<file path=ppt/slides/slide22.xml><?xml version="1.0" encoding="utf-8"?>
+<p:sld xmlns:a="http://schemas.openxmlformats.org/drawingml/2006/main" xmlns:p="http://schemas.openxmlformats.org/presentationml/2006/main" xmlns:r="http://schemas.openxmlformats.org/officeDocument/2006/relationships" xmlns:p14="http://schemas.microsoft.com/office/powerpoint/2010/main" xmlns:p15="http://schemas.microsoft.com/office/powerpoint/2012/main" xmlns:mc="http://schemas.openxmlformats.org/markup-compatibility/2006">
+  <p:cSld>
+    <p:spTree>
+      <p:nvGrpSpPr>
+        <p:cNvPr id="1" name=""/>
+        <p:cNvGrpSpPr/>
+        <p:nvPr/>
+      </p:nvGrpSpPr>
+      <p:grpSpPr>
+        <a:xfrm>
+          <a:off x="0" y="0"/>
+          <a:ext cx="0" cy="0"/>
+          <a:chOff x="0" y="0"/>
+          <a:chExt cx="0" cy="0"/>
+        </a:xfrm>
+      </p:grpSpPr>
+      <p:sp>
+        <p:nvSpPr>
+          <p:cNvPr id="103" name="TextShape 1"/>
+          <p:cNvSpPr txBox="1"/>
+          <p:nvPr/>
+        </p:nvSpPr>
+        <p:spPr>
+          <a:xfrm>
+            <a:off x="504000" y="226080"/>
+            <a:ext cx="9071640" cy="946440"/>
+          </a:xfrm>
+          <a:prstGeom prst="rect">
+            <a:avLst/>
+          </a:prstGeom>
+          <a:noFill/>
+          <a:ln>
+            <a:noFill/>
+          </a:ln>
+        </p:spPr>
+        <p:txBody>
+          <a:bodyPr lIns="0" rIns="0" tIns="0" bIns="0" anchor="ctr"/>
+          <a:p>
+            <a:pPr algn="ctr"/>
+            <a:endParaRPr b="0" lang="en-US" sz="4400" spc="-1" strike="noStrike">
+              <a:latin typeface="Arial"/>
+            </a:endParaRPr>
+          </a:p>
+        </p:txBody>
+      </p:sp>
+      <p:sp>
+        <p:nvSpPr>
+          <p:cNvPr id="104" name="TextShape 2"/>
+          <p:cNvSpPr txBox="1"/>
+          <p:nvPr/>
+        </p:nvSpPr>
+        <p:spPr>
+          <a:xfrm>
+            <a:off x="504000" y="1326600"/>
+            <a:ext cx="9071640" cy="3288240"/>
+          </a:xfrm>
+          <a:prstGeom prst="rect">
+            <a:avLst/>
+          </a:prstGeom>
+          <a:noFill/>
+          <a:ln>
+            <a:noFill/>
+          </a:ln>
+        </p:spPr>
+        <p:txBody>
+          <a:bodyPr lIns="0" rIns="0" tIns="0" bIns="0">
+            <a:normAutofit/>
+          </a:bodyPr>
+          <a:p>
+            <a:endParaRPr b="0" lang="en-US" sz="3200" spc="-1" strike="noStrike">
+              <a:latin typeface="Arial"/>
+            </a:endParaRPr>
+          </a:p>
+        </p:txBody>
+      </p:sp>
+    </p:spTree>
+  </p:cSld>
+  <mc:AlternateContent>
+    <mc:Choice Requires="p14">
+      <p:transition spd="slow" p14:dur="2000"/>
+    </mc:Choice>
+    <mc:Fallback>
+      <p:transition spd="slow"/>
+    </mc:Fallback>
+  </mc:AlternateContent>
+  <p:timing>
+    <p:tnLst>
+      <p:par>
+        <p:cTn id="43" dur="indefinite" restart="never" nodeType="tmRoot">
+          <p:childTnLst>
+            <p:seq>
+              <p:cTn id="44" dur="indefinite" nodeType="mainSeq"/>
               <p:prevCondLst>
                 <p:cond delay="0" evt="onPrev">
                   <p:tgtEl>
@@ -6066,7 +7817,7 @@
         </p:spPr>
         <p:txBody>
           <a:bodyPr lIns="0" rIns="0" tIns="0" bIns="0">
-            <a:normAutofit fontScale="85000"/>
+            <a:normAutofit fontScale="84000"/>
           </a:bodyPr>
           <a:p>
             <a:pPr marL="432000" indent="-324000">
@@ -6210,7 +7961,7 @@
         </p:spPr>
         <p:txBody>
           <a:bodyPr lIns="0" rIns="0" tIns="0" bIns="0">
-            <a:normAutofit fontScale="85000"/>
+            <a:normAutofit fontScale="84000"/>
           </a:bodyPr>
           <a:p>
             <a:pPr marL="432000" indent="-324000">
